--- a/Docs/Methodology Presentation.pptx
+++ b/Docs/Methodology Presentation.pptx
@@ -8,6 +8,11 @@
     <p:sldId id="258" r:id="rId2"/>
     <p:sldId id="257" r:id="rId3"/>
     <p:sldId id="259" r:id="rId4"/>
+    <p:sldId id="261" r:id="rId5"/>
+    <p:sldId id="262" r:id="rId6"/>
+    <p:sldId id="260" r:id="rId7"/>
+    <p:sldId id="264" r:id="rId8"/>
+    <p:sldId id="263" r:id="rId9"/>
   </p:sldIdLst>
   <p:sldSz cx="12192000" cy="6858000"/>
   <p:notesSz cx="6858000" cy="9144000"/>
@@ -3082,8 +3087,9 @@
             </a:pPr>
             <a:r>
               <a:rPr lang="en-US" dirty="0" smtClean="0"/>
-              <a:t>Normality analysis</a:t>
-            </a:r>
+              <a:t>Time Trend Analysis</a:t>
+            </a:r>
+            <a:endParaRPr lang="en-US" dirty="0" smtClean="0"/>
           </a:p>
           <a:p>
             <a:pPr lvl="1">
@@ -3096,7 +3102,21 @@
             </a:pPr>
             <a:r>
               <a:rPr lang="en-US" dirty="0" smtClean="0"/>
-              <a:t>Time trend exploration</a:t>
+              <a:t>Normality Analysis</a:t>
+            </a:r>
+          </a:p>
+          <a:p>
+            <a:pPr lvl="1">
+              <a:lnSpc>
+                <a:spcPct val="100000"/>
+              </a:lnSpc>
+              <a:spcBef>
+                <a:spcPts val="0"/>
+              </a:spcBef>
+            </a:pPr>
+            <a:r>
+              <a:rPr lang="en-US" dirty="0" smtClean="0"/>
+              <a:t>Variable Correlations</a:t>
             </a:r>
           </a:p>
           <a:p>
@@ -3500,35 +3520,154 @@
             <p:ph type="title"/>
           </p:nvPr>
         </p:nvSpPr>
-        <p:spPr/>
-        <p:txBody>
-          <a:bodyPr/>
-          <a:lstStyle/>
-          <a:p>
-            <a:r>
-              <a:rPr lang="en-US" dirty="0" smtClean="0"/>
-              <a:t>Data Exploration</a:t>
-            </a:r>
-            <a:endParaRPr lang="en-US" dirty="0"/>
-          </a:p>
-        </p:txBody>
-      </p:sp>
-      <p:sp>
-        <p:nvSpPr>
-          <p:cNvPr id="3" name="Content Placeholder 2"/>
-          <p:cNvSpPr>
-            <a:spLocks noGrp="1"/>
-          </p:cNvSpPr>
-          <p:nvPr>
-            <p:ph idx="1"/>
-          </p:nvPr>
-        </p:nvSpPr>
-        <p:spPr/>
-        <p:txBody>
-          <a:bodyPr/>
-          <a:lstStyle/>
-          <a:p>
-            <a:endParaRPr lang="en-US"/>
+        <p:spPr>
+          <a:xfrm>
+            <a:off x="128588" y="200025"/>
+            <a:ext cx="9486900" cy="771525"/>
+          </a:xfrm>
+        </p:spPr>
+        <p:txBody>
+          <a:bodyPr>
+            <a:normAutofit/>
+          </a:bodyPr>
+          <a:lstStyle/>
+          <a:p>
+            <a:r>
+              <a:rPr lang="en-US" b="1" dirty="0" smtClean="0"/>
+              <a:t>Data Exploration </a:t>
+            </a:r>
+            <a:r>
+              <a:rPr lang="mr-IN" b="1" dirty="0" smtClean="0"/>
+              <a:t>–</a:t>
+            </a:r>
+            <a:r>
+              <a:rPr lang="en-US" b="1" dirty="0" smtClean="0"/>
+              <a:t> Time Trend Analysis</a:t>
+            </a:r>
+            <a:endParaRPr lang="en-US" b="1" dirty="0"/>
+          </a:p>
+        </p:txBody>
+      </p:sp>
+      <p:sp>
+        <p:nvSpPr>
+          <p:cNvPr id="7" name="TextBox 6"/>
+          <p:cNvSpPr txBox="1"/>
+          <p:nvPr/>
+        </p:nvSpPr>
+        <p:spPr>
+          <a:xfrm>
+            <a:off x="6988571" y="5682342"/>
+            <a:ext cx="4238625" cy="369332"/>
+          </a:xfrm>
+          <a:prstGeom prst="rect">
+            <a:avLst/>
+          </a:prstGeom>
+          <a:noFill/>
+        </p:spPr>
+        <p:txBody>
+          <a:bodyPr wrap="square" rtlCol="0">
+            <a:spAutoFit/>
+          </a:bodyPr>
+          <a:lstStyle/>
+          <a:p>
+            <a:r>
+              <a:rPr lang="en-US" b="1" smtClean="0"/>
+              <a:t>Drastic </a:t>
+            </a:r>
+            <a:r>
+              <a:rPr lang="en-US" b="1" dirty="0" smtClean="0"/>
+              <a:t>intra-year consumption variations</a:t>
+            </a:r>
+            <a:endParaRPr lang="en-US" b="1" dirty="0"/>
+          </a:p>
+        </p:txBody>
+      </p:sp>
+      <p:pic>
+        <p:nvPicPr>
+          <p:cNvPr id="9" name="Picture 8"/>
+          <p:cNvPicPr>
+            <a:picLocks noChangeAspect="1"/>
+          </p:cNvPicPr>
+          <p:nvPr/>
+        </p:nvPicPr>
+        <p:blipFill>
+          <a:blip r:embed="rId2">
+            <a:extLst>
+              <a:ext uri="{28A0092B-C50C-407E-A947-70E740481C1C}">
+                <a14:useLocalDpi xmlns:a14="http://schemas.microsoft.com/office/drawing/2010/main" val="0"/>
+              </a:ext>
+            </a:extLst>
+          </a:blip>
+          <a:stretch>
+            <a:fillRect/>
+          </a:stretch>
+        </p:blipFill>
+        <p:spPr>
+          <a:xfrm>
+            <a:off x="6023767" y="1271593"/>
+            <a:ext cx="6168233" cy="4297680"/>
+          </a:xfrm>
+          <a:prstGeom prst="rect">
+            <a:avLst/>
+          </a:prstGeom>
+        </p:spPr>
+      </p:pic>
+      <p:pic>
+        <p:nvPicPr>
+          <p:cNvPr id="10" name="Picture 9"/>
+          <p:cNvPicPr>
+            <a:picLocks noChangeAspect="1"/>
+          </p:cNvPicPr>
+          <p:nvPr/>
+        </p:nvPicPr>
+        <p:blipFill>
+          <a:blip r:embed="rId3">
+            <a:extLst>
+              <a:ext uri="{28A0092B-C50C-407E-A947-70E740481C1C}">
+                <a14:useLocalDpi xmlns:a14="http://schemas.microsoft.com/office/drawing/2010/main" val="0"/>
+              </a:ext>
+            </a:extLst>
+          </a:blip>
+          <a:stretch>
+            <a:fillRect/>
+          </a:stretch>
+        </p:blipFill>
+        <p:spPr>
+          <a:xfrm>
+            <a:off x="0" y="1271593"/>
+            <a:ext cx="5852487" cy="4297680"/>
+          </a:xfrm>
+          <a:prstGeom prst="rect">
+            <a:avLst/>
+          </a:prstGeom>
+        </p:spPr>
+      </p:pic>
+      <p:sp>
+        <p:nvSpPr>
+          <p:cNvPr id="8" name="Rectangle 7"/>
+          <p:cNvSpPr/>
+          <p:nvPr/>
+        </p:nvSpPr>
+        <p:spPr>
+          <a:xfrm>
+            <a:off x="525522" y="5682342"/>
+            <a:ext cx="4801443" cy="369332"/>
+          </a:xfrm>
+          <a:prstGeom prst="rect">
+            <a:avLst/>
+          </a:prstGeom>
+        </p:spPr>
+        <p:txBody>
+          <a:bodyPr wrap="none">
+            <a:spAutoFit/>
+          </a:bodyPr>
+          <a:lstStyle/>
+          <a:p>
+            <a:r>
+              <a:rPr lang="en-US" b="1" dirty="0" smtClean="0"/>
+              <a:t>Consumption has been increasing over the years</a:t>
+            </a:r>
+            <a:endParaRPr lang="en-US" b="1" dirty="0" smtClean="0"/>
           </a:p>
         </p:txBody>
       </p:sp>
@@ -3536,6 +3675,1030 @@
     <p:extLst>
       <p:ext uri="{BB962C8B-B14F-4D97-AF65-F5344CB8AC3E}">
         <p14:creationId xmlns:p14="http://schemas.microsoft.com/office/powerpoint/2010/main" val="852760461"/>
+      </p:ext>
+    </p:extLst>
+  </p:cSld>
+  <p:clrMapOvr>
+    <a:masterClrMapping/>
+  </p:clrMapOvr>
+</p:sld>
+</file>
+
+<file path=ppt/slides/slide4.xml><?xml version="1.0" encoding="utf-8"?>
+<p:sld xmlns:a="http://schemas.openxmlformats.org/drawingml/2006/main" xmlns:r="http://schemas.openxmlformats.org/officeDocument/2006/relationships" xmlns:p="http://schemas.openxmlformats.org/presentationml/2006/main">
+  <p:cSld>
+    <p:spTree>
+      <p:nvGrpSpPr>
+        <p:cNvPr id="1" name=""/>
+        <p:cNvGrpSpPr/>
+        <p:nvPr/>
+      </p:nvGrpSpPr>
+      <p:grpSpPr>
+        <a:xfrm>
+          <a:off x="0" y="0"/>
+          <a:ext cx="0" cy="0"/>
+          <a:chOff x="0" y="0"/>
+          <a:chExt cx="0" cy="0"/>
+        </a:xfrm>
+      </p:grpSpPr>
+      <p:sp>
+        <p:nvSpPr>
+          <p:cNvPr id="2" name="Title 1"/>
+          <p:cNvSpPr>
+            <a:spLocks noGrp="1"/>
+          </p:cNvSpPr>
+          <p:nvPr>
+            <p:ph type="title"/>
+          </p:nvPr>
+        </p:nvSpPr>
+        <p:spPr>
+          <a:xfrm>
+            <a:off x="128588" y="200025"/>
+            <a:ext cx="9486900" cy="771525"/>
+          </a:xfrm>
+        </p:spPr>
+        <p:txBody>
+          <a:bodyPr>
+            <a:normAutofit/>
+          </a:bodyPr>
+          <a:lstStyle/>
+          <a:p>
+            <a:r>
+              <a:rPr lang="en-US" b="1" dirty="0" smtClean="0"/>
+              <a:t>Data Exploration </a:t>
+            </a:r>
+            <a:r>
+              <a:rPr lang="mr-IN" b="1" dirty="0" smtClean="0"/>
+              <a:t>–</a:t>
+            </a:r>
+            <a:r>
+              <a:rPr lang="en-US" b="1" dirty="0" smtClean="0"/>
+              <a:t> Normality Analysis</a:t>
+            </a:r>
+            <a:endParaRPr lang="en-US" b="1" dirty="0"/>
+          </a:p>
+        </p:txBody>
+      </p:sp>
+      <p:pic>
+        <p:nvPicPr>
+          <p:cNvPr id="3" name="Picture 2"/>
+          <p:cNvPicPr>
+            <a:picLocks noChangeAspect="1"/>
+          </p:cNvPicPr>
+          <p:nvPr/>
+        </p:nvPicPr>
+        <p:blipFill>
+          <a:blip r:embed="rId2">
+            <a:extLst>
+              <a:ext uri="{28A0092B-C50C-407E-A947-70E740481C1C}">
+                <a14:useLocalDpi xmlns:a14="http://schemas.microsoft.com/office/drawing/2010/main" val="0"/>
+              </a:ext>
+            </a:extLst>
+          </a:blip>
+          <a:stretch>
+            <a:fillRect/>
+          </a:stretch>
+        </p:blipFill>
+        <p:spPr>
+          <a:xfrm>
+            <a:off x="128588" y="1500187"/>
+            <a:ext cx="5879592" cy="4065986"/>
+          </a:xfrm>
+          <a:prstGeom prst="rect">
+            <a:avLst/>
+          </a:prstGeom>
+        </p:spPr>
+      </p:pic>
+      <p:sp>
+        <p:nvSpPr>
+          <p:cNvPr id="11" name="Rectangle 10"/>
+          <p:cNvSpPr/>
+          <p:nvPr/>
+        </p:nvSpPr>
+        <p:spPr>
+          <a:xfrm>
+            <a:off x="676882" y="5569273"/>
+            <a:ext cx="5118041" cy="646331"/>
+          </a:xfrm>
+          <a:prstGeom prst="rect">
+            <a:avLst/>
+          </a:prstGeom>
+        </p:spPr>
+        <p:txBody>
+          <a:bodyPr wrap="square">
+            <a:spAutoFit/>
+          </a:bodyPr>
+          <a:lstStyle/>
+          <a:p>
+            <a:pPr algn="ctr"/>
+            <a:r>
+              <a:rPr lang="en-US" b="1" dirty="0" smtClean="0"/>
+              <a:t>Normality Test: </a:t>
+            </a:r>
+            <a:r>
+              <a:rPr lang="en-US" dirty="0" smtClean="0"/>
+              <a:t>Shapiro Test</a:t>
+            </a:r>
+          </a:p>
+          <a:p>
+            <a:pPr algn="ctr"/>
+            <a:r>
+              <a:rPr lang="en-US" dirty="0"/>
+              <a:t>p</a:t>
+            </a:r>
+            <a:r>
+              <a:rPr lang="en-US" dirty="0" smtClean="0"/>
+              <a:t> = 1.2 x 10</a:t>
+            </a:r>
+            <a:r>
+              <a:rPr lang="en-US" baseline="30000" dirty="0" smtClean="0"/>
+              <a:t>-7</a:t>
+            </a:r>
+          </a:p>
+        </p:txBody>
+      </p:sp>
+      <p:pic>
+        <p:nvPicPr>
+          <p:cNvPr id="4" name="Picture 3"/>
+          <p:cNvPicPr>
+            <a:picLocks noChangeAspect="1"/>
+          </p:cNvPicPr>
+          <p:nvPr/>
+        </p:nvPicPr>
+        <p:blipFill>
+          <a:blip r:embed="rId3">
+            <a:extLst>
+              <a:ext uri="{28A0092B-C50C-407E-A947-70E740481C1C}">
+                <a14:useLocalDpi xmlns:a14="http://schemas.microsoft.com/office/drawing/2010/main" val="0"/>
+              </a:ext>
+            </a:extLst>
+          </a:blip>
+          <a:stretch>
+            <a:fillRect/>
+          </a:stretch>
+        </p:blipFill>
+        <p:spPr>
+          <a:xfrm>
+            <a:off x="6343217" y="1500187"/>
+            <a:ext cx="5591325" cy="4069080"/>
+          </a:xfrm>
+          <a:prstGeom prst="rect">
+            <a:avLst/>
+          </a:prstGeom>
+        </p:spPr>
+      </p:pic>
+      <p:sp>
+        <p:nvSpPr>
+          <p:cNvPr id="12" name="Rectangle 11"/>
+          <p:cNvSpPr/>
+          <p:nvPr/>
+        </p:nvSpPr>
+        <p:spPr>
+          <a:xfrm>
+            <a:off x="6579859" y="5569273"/>
+            <a:ext cx="5118041" cy="646331"/>
+          </a:xfrm>
+          <a:prstGeom prst="rect">
+            <a:avLst/>
+          </a:prstGeom>
+        </p:spPr>
+        <p:txBody>
+          <a:bodyPr wrap="square">
+            <a:spAutoFit/>
+          </a:bodyPr>
+          <a:lstStyle/>
+          <a:p>
+            <a:pPr algn="ctr"/>
+            <a:r>
+              <a:rPr lang="en-US" b="1" dirty="0" smtClean="0"/>
+              <a:t>Normality Test: </a:t>
+            </a:r>
+            <a:r>
+              <a:rPr lang="en-US" dirty="0" smtClean="0"/>
+              <a:t>Shapiro Test</a:t>
+            </a:r>
+          </a:p>
+          <a:p>
+            <a:pPr algn="ctr"/>
+            <a:r>
+              <a:rPr lang="en-US" dirty="0"/>
+              <a:t>p</a:t>
+            </a:r>
+            <a:r>
+              <a:rPr lang="en-US" dirty="0" smtClean="0"/>
+              <a:t> = 9.4 x 10</a:t>
+            </a:r>
+            <a:r>
+              <a:rPr lang="en-US" baseline="30000" dirty="0" smtClean="0"/>
+              <a:t>-5</a:t>
+            </a:r>
+          </a:p>
+        </p:txBody>
+      </p:sp>
+    </p:spTree>
+    <p:extLst>
+      <p:ext uri="{BB962C8B-B14F-4D97-AF65-F5344CB8AC3E}">
+        <p14:creationId xmlns:p14="http://schemas.microsoft.com/office/powerpoint/2010/main" val="208730936"/>
+      </p:ext>
+    </p:extLst>
+  </p:cSld>
+  <p:clrMapOvr>
+    <a:masterClrMapping/>
+  </p:clrMapOvr>
+</p:sld>
+</file>
+
+<file path=ppt/slides/slide5.xml><?xml version="1.0" encoding="utf-8"?>
+<p:sld xmlns:a="http://schemas.openxmlformats.org/drawingml/2006/main" xmlns:r="http://schemas.openxmlformats.org/officeDocument/2006/relationships" xmlns:p="http://schemas.openxmlformats.org/presentationml/2006/main">
+  <p:cSld>
+    <p:spTree>
+      <p:nvGrpSpPr>
+        <p:cNvPr id="1" name=""/>
+        <p:cNvGrpSpPr/>
+        <p:nvPr/>
+      </p:nvGrpSpPr>
+      <p:grpSpPr>
+        <a:xfrm>
+          <a:off x="0" y="0"/>
+          <a:ext cx="0" cy="0"/>
+          <a:chOff x="0" y="0"/>
+          <a:chExt cx="0" cy="0"/>
+        </a:xfrm>
+      </p:grpSpPr>
+      <p:sp>
+        <p:nvSpPr>
+          <p:cNvPr id="4" name="Title 1"/>
+          <p:cNvSpPr>
+            <a:spLocks noGrp="1"/>
+          </p:cNvSpPr>
+          <p:nvPr>
+            <p:ph type="title"/>
+          </p:nvPr>
+        </p:nvSpPr>
+        <p:spPr>
+          <a:xfrm>
+            <a:off x="0" y="614362"/>
+            <a:ext cx="4421187" cy="771525"/>
+          </a:xfrm>
+        </p:spPr>
+        <p:txBody>
+          <a:bodyPr>
+            <a:noAutofit/>
+          </a:bodyPr>
+          <a:lstStyle/>
+          <a:p>
+            <a:r>
+              <a:rPr lang="en-US" b="1" dirty="0" smtClean="0"/>
+              <a:t>Data Exploration </a:t>
+            </a:r>
+            <a:r>
+              <a:rPr lang="mr-IN" b="1" dirty="0" smtClean="0"/>
+              <a:t>–</a:t>
+            </a:r>
+            <a:r>
+              <a:rPr lang="en-US" b="1" dirty="0" smtClean="0"/>
+              <a:t>Correlation Matrix</a:t>
+            </a:r>
+            <a:endParaRPr lang="en-US" b="1" dirty="0"/>
+          </a:p>
+        </p:txBody>
+      </p:sp>
+      <p:pic>
+        <p:nvPicPr>
+          <p:cNvPr id="5" name="Picture 4"/>
+          <p:cNvPicPr>
+            <a:picLocks noChangeAspect="1"/>
+          </p:cNvPicPr>
+          <p:nvPr/>
+        </p:nvPicPr>
+        <p:blipFill>
+          <a:blip r:embed="rId2">
+            <a:extLst>
+              <a:ext uri="{28A0092B-C50C-407E-A947-70E740481C1C}">
+                <a14:useLocalDpi xmlns:a14="http://schemas.microsoft.com/office/drawing/2010/main" val="0"/>
+              </a:ext>
+            </a:extLst>
+          </a:blip>
+          <a:stretch>
+            <a:fillRect/>
+          </a:stretch>
+        </p:blipFill>
+        <p:spPr>
+          <a:xfrm>
+            <a:off x="4721233" y="0"/>
+            <a:ext cx="7018928" cy="6858000"/>
+          </a:xfrm>
+          <a:prstGeom prst="rect">
+            <a:avLst/>
+          </a:prstGeom>
+        </p:spPr>
+      </p:pic>
+    </p:spTree>
+    <p:extLst>
+      <p:ext uri="{BB962C8B-B14F-4D97-AF65-F5344CB8AC3E}">
+        <p14:creationId xmlns:p14="http://schemas.microsoft.com/office/powerpoint/2010/main" val="527663965"/>
+      </p:ext>
+    </p:extLst>
+  </p:cSld>
+  <p:clrMapOvr>
+    <a:masterClrMapping/>
+  </p:clrMapOvr>
+</p:sld>
+</file>
+
+<file path=ppt/slides/slide6.xml><?xml version="1.0" encoding="utf-8"?>
+<p:sld xmlns:a="http://schemas.openxmlformats.org/drawingml/2006/main" xmlns:r="http://schemas.openxmlformats.org/officeDocument/2006/relationships" xmlns:p="http://schemas.openxmlformats.org/presentationml/2006/main">
+  <p:cSld>
+    <p:spTree>
+      <p:nvGrpSpPr>
+        <p:cNvPr id="1" name=""/>
+        <p:cNvGrpSpPr/>
+        <p:nvPr/>
+      </p:nvGrpSpPr>
+      <p:grpSpPr>
+        <a:xfrm>
+          <a:off x="0" y="0"/>
+          <a:ext cx="0" cy="0"/>
+          <a:chOff x="0" y="0"/>
+          <a:chExt cx="0" cy="0"/>
+        </a:xfrm>
+      </p:grpSpPr>
+      <p:sp>
+        <p:nvSpPr>
+          <p:cNvPr id="4" name="Title 1"/>
+          <p:cNvSpPr>
+            <a:spLocks noGrp="1"/>
+          </p:cNvSpPr>
+          <p:nvPr>
+            <p:ph type="title"/>
+          </p:nvPr>
+        </p:nvSpPr>
+        <p:spPr>
+          <a:xfrm>
+            <a:off x="128588" y="200025"/>
+            <a:ext cx="9486900" cy="771525"/>
+          </a:xfrm>
+        </p:spPr>
+        <p:txBody>
+          <a:bodyPr>
+            <a:normAutofit/>
+          </a:bodyPr>
+          <a:lstStyle/>
+          <a:p>
+            <a:r>
+              <a:rPr lang="en-US" b="1" dirty="0" smtClean="0"/>
+              <a:t>Econometric Model </a:t>
+            </a:r>
+            <a:r>
+              <a:rPr lang="mr-IN" b="1" dirty="0" smtClean="0"/>
+              <a:t>–</a:t>
+            </a:r>
+            <a:r>
+              <a:rPr lang="en-US" b="1" dirty="0" smtClean="0"/>
+              <a:t> ARIMA</a:t>
+            </a:r>
+            <a:endParaRPr lang="en-US" b="1" dirty="0"/>
+          </a:p>
+        </p:txBody>
+      </p:sp>
+      <p:pic>
+        <p:nvPicPr>
+          <p:cNvPr id="5" name="Picture 4"/>
+          <p:cNvPicPr>
+            <a:picLocks noChangeAspect="1"/>
+          </p:cNvPicPr>
+          <p:nvPr/>
+        </p:nvPicPr>
+        <p:blipFill>
+          <a:blip r:embed="rId2">
+            <a:extLst>
+              <a:ext uri="{28A0092B-C50C-407E-A947-70E740481C1C}">
+                <a14:useLocalDpi xmlns:a14="http://schemas.microsoft.com/office/drawing/2010/main" val="0"/>
+              </a:ext>
+            </a:extLst>
+          </a:blip>
+          <a:stretch>
+            <a:fillRect/>
+          </a:stretch>
+        </p:blipFill>
+        <p:spPr>
+          <a:xfrm>
+            <a:off x="3771900" y="971550"/>
+            <a:ext cx="8226426" cy="5364190"/>
+          </a:xfrm>
+          <a:prstGeom prst="rect">
+            <a:avLst/>
+          </a:prstGeom>
+        </p:spPr>
+      </p:pic>
+      <p:grpSp>
+        <p:nvGrpSpPr>
+          <p:cNvPr id="9" name="Group 8"/>
+          <p:cNvGrpSpPr/>
+          <p:nvPr/>
+        </p:nvGrpSpPr>
+        <p:grpSpPr>
+          <a:xfrm>
+            <a:off x="317503" y="2020782"/>
+            <a:ext cx="3690935" cy="1062265"/>
+            <a:chOff x="274640" y="1308947"/>
+            <a:chExt cx="3690935" cy="1062265"/>
+          </a:xfrm>
+        </p:grpSpPr>
+        <p:pic>
+          <p:nvPicPr>
+            <p:cNvPr id="7" name="Picture 6"/>
+            <p:cNvPicPr>
+              <a:picLocks noChangeAspect="1"/>
+            </p:cNvPicPr>
+            <p:nvPr/>
+          </p:nvPicPr>
+          <p:blipFill rotWithShape="1">
+            <a:blip r:embed="rId3">
+              <a:extLst>
+                <a:ext uri="{28A0092B-C50C-407E-A947-70E740481C1C}">
+                  <a14:useLocalDpi xmlns:a14="http://schemas.microsoft.com/office/drawing/2010/main" val="0"/>
+                </a:ext>
+              </a:extLst>
+            </a:blip>
+            <a:srcRect t="10001" r="50434"/>
+            <a:stretch/>
+          </p:blipFill>
+          <p:spPr>
+            <a:xfrm>
+              <a:off x="274640" y="1308947"/>
+              <a:ext cx="3082924" cy="613338"/>
+            </a:xfrm>
+            <a:prstGeom prst="rect">
+              <a:avLst/>
+            </a:prstGeom>
+          </p:spPr>
+        </p:pic>
+        <p:pic>
+          <p:nvPicPr>
+            <p:cNvPr id="8" name="Picture 7"/>
+            <p:cNvPicPr>
+              <a:picLocks noChangeAspect="1"/>
+            </p:cNvPicPr>
+            <p:nvPr/>
+          </p:nvPicPr>
+          <p:blipFill rotWithShape="1">
+            <a:blip r:embed="rId3">
+              <a:extLst>
+                <a:ext uri="{28A0092B-C50C-407E-A947-70E740481C1C}">
+                  <a14:useLocalDpi xmlns:a14="http://schemas.microsoft.com/office/drawing/2010/main" val="0"/>
+                </a:ext>
+              </a:extLst>
+            </a:blip>
+            <a:srcRect l="49566" t="1" b="1796"/>
+            <a:stretch/>
+          </p:blipFill>
+          <p:spPr>
+            <a:xfrm>
+              <a:off x="828675" y="1701957"/>
+              <a:ext cx="3136900" cy="669255"/>
+            </a:xfrm>
+            <a:prstGeom prst="rect">
+              <a:avLst/>
+            </a:prstGeom>
+          </p:spPr>
+        </p:pic>
+      </p:grpSp>
+      <p:grpSp>
+        <p:nvGrpSpPr>
+          <p:cNvPr id="11" name="Group 10"/>
+          <p:cNvGrpSpPr/>
+          <p:nvPr/>
+        </p:nvGrpSpPr>
+        <p:grpSpPr>
+          <a:xfrm>
+            <a:off x="128588" y="4570830"/>
+            <a:ext cx="3690935" cy="1295953"/>
+            <a:chOff x="274640" y="2693810"/>
+            <a:chExt cx="3690935" cy="1295953"/>
+          </a:xfrm>
+        </p:grpSpPr>
+        <p:pic>
+          <p:nvPicPr>
+            <p:cNvPr id="6" name="Picture 5"/>
+            <p:cNvPicPr>
+              <a:picLocks noChangeAspect="1"/>
+            </p:cNvPicPr>
+            <p:nvPr/>
+          </p:nvPicPr>
+          <p:blipFill rotWithShape="1">
+            <a:blip r:embed="rId4">
+              <a:extLst>
+                <a:ext uri="{28A0092B-C50C-407E-A947-70E740481C1C}">
+                  <a14:useLocalDpi xmlns:a14="http://schemas.microsoft.com/office/drawing/2010/main" val="0"/>
+                </a:ext>
+              </a:extLst>
+            </a:blip>
+            <a:srcRect t="1" r="40658" b="-3745"/>
+            <a:stretch/>
+          </p:blipFill>
+          <p:spPr>
+            <a:xfrm>
+              <a:off x="274640" y="2693810"/>
+              <a:ext cx="3690935" cy="719158"/>
+            </a:xfrm>
+            <a:prstGeom prst="rect">
+              <a:avLst/>
+            </a:prstGeom>
+          </p:spPr>
+        </p:pic>
+        <p:pic>
+          <p:nvPicPr>
+            <p:cNvPr id="10" name="Picture 9"/>
+            <p:cNvPicPr>
+              <a:picLocks noChangeAspect="1"/>
+            </p:cNvPicPr>
+            <p:nvPr/>
+          </p:nvPicPr>
+          <p:blipFill rotWithShape="1">
+            <a:blip r:embed="rId4">
+              <a:extLst>
+                <a:ext uri="{28A0092B-C50C-407E-A947-70E740481C1C}">
+                  <a14:useLocalDpi xmlns:a14="http://schemas.microsoft.com/office/drawing/2010/main" val="0"/>
+                </a:ext>
+              </a:extLst>
+            </a:blip>
+            <a:srcRect l="59763" t="1" b="3024"/>
+            <a:stretch/>
+          </p:blipFill>
+          <p:spPr>
+            <a:xfrm>
+              <a:off x="1462880" y="3317526"/>
+              <a:ext cx="2502695" cy="672237"/>
+            </a:xfrm>
+            <a:prstGeom prst="rect">
+              <a:avLst/>
+            </a:prstGeom>
+          </p:spPr>
+        </p:pic>
+      </p:grpSp>
+      <p:sp>
+        <p:nvSpPr>
+          <p:cNvPr id="12" name="TextBox 11"/>
+          <p:cNvSpPr txBox="1"/>
+          <p:nvPr/>
+        </p:nvSpPr>
+        <p:spPr>
+          <a:xfrm>
+            <a:off x="317503" y="1530775"/>
+            <a:ext cx="2468560" cy="369332"/>
+          </a:xfrm>
+          <a:prstGeom prst="rect">
+            <a:avLst/>
+          </a:prstGeom>
+          <a:noFill/>
+        </p:spPr>
+        <p:txBody>
+          <a:bodyPr wrap="square" rtlCol="0">
+            <a:spAutoFit/>
+          </a:bodyPr>
+          <a:lstStyle/>
+          <a:p>
+            <a:r>
+              <a:rPr lang="en-US" smtClean="0"/>
+              <a:t>Autoregressive Formula:</a:t>
+            </a:r>
+            <a:endParaRPr lang="en-US" dirty="0"/>
+          </a:p>
+        </p:txBody>
+      </p:sp>
+      <p:sp>
+        <p:nvSpPr>
+          <p:cNvPr id="13" name="TextBox 12"/>
+          <p:cNvSpPr txBox="1"/>
+          <p:nvPr/>
+        </p:nvSpPr>
+        <p:spPr>
+          <a:xfrm>
+            <a:off x="128587" y="4205294"/>
+            <a:ext cx="3000375" cy="369332"/>
+          </a:xfrm>
+          <a:prstGeom prst="rect">
+            <a:avLst/>
+          </a:prstGeom>
+          <a:noFill/>
+        </p:spPr>
+        <p:txBody>
+          <a:bodyPr wrap="square" rtlCol="0">
+            <a:spAutoFit/>
+          </a:bodyPr>
+          <a:lstStyle/>
+          <a:p>
+            <a:r>
+              <a:rPr lang="en-US" smtClean="0"/>
+              <a:t>Moving Average </a:t>
+            </a:r>
+            <a:r>
+              <a:rPr lang="en-US" dirty="0" smtClean="0"/>
+              <a:t>Formula:</a:t>
+            </a:r>
+            <a:endParaRPr lang="en-US" dirty="0"/>
+          </a:p>
+        </p:txBody>
+      </p:sp>
+    </p:spTree>
+    <p:extLst>
+      <p:ext uri="{BB962C8B-B14F-4D97-AF65-F5344CB8AC3E}">
+        <p14:creationId xmlns:p14="http://schemas.microsoft.com/office/powerpoint/2010/main" val="521360790"/>
+      </p:ext>
+    </p:extLst>
+  </p:cSld>
+  <p:clrMapOvr>
+    <a:masterClrMapping/>
+  </p:clrMapOvr>
+</p:sld>
+</file>
+
+<file path=ppt/slides/slide7.xml><?xml version="1.0" encoding="utf-8"?>
+<p:sld xmlns:a="http://schemas.openxmlformats.org/drawingml/2006/main" xmlns:r="http://schemas.openxmlformats.org/officeDocument/2006/relationships" xmlns:p="http://schemas.openxmlformats.org/presentationml/2006/main">
+  <p:cSld>
+    <p:spTree>
+      <p:nvGrpSpPr>
+        <p:cNvPr id="1" name=""/>
+        <p:cNvGrpSpPr/>
+        <p:nvPr/>
+      </p:nvGrpSpPr>
+      <p:grpSpPr>
+        <a:xfrm>
+          <a:off x="0" y="0"/>
+          <a:ext cx="0" cy="0"/>
+          <a:chOff x="0" y="0"/>
+          <a:chExt cx="0" cy="0"/>
+        </a:xfrm>
+      </p:grpSpPr>
+      <p:sp>
+        <p:nvSpPr>
+          <p:cNvPr id="4" name="Title 1"/>
+          <p:cNvSpPr>
+            <a:spLocks noGrp="1"/>
+          </p:cNvSpPr>
+          <p:nvPr>
+            <p:ph type="title"/>
+          </p:nvPr>
+        </p:nvSpPr>
+        <p:spPr>
+          <a:xfrm>
+            <a:off x="128587" y="200025"/>
+            <a:ext cx="10015537" cy="771525"/>
+          </a:xfrm>
+        </p:spPr>
+        <p:txBody>
+          <a:bodyPr>
+            <a:normAutofit fontScale="90000"/>
+          </a:bodyPr>
+          <a:lstStyle/>
+          <a:p>
+            <a:r>
+              <a:rPr lang="en-US" b="1" dirty="0" smtClean="0"/>
+              <a:t>Machine Learning Model </a:t>
+            </a:r>
+            <a:r>
+              <a:rPr lang="mr-IN" b="1" dirty="0" smtClean="0"/>
+              <a:t>–</a:t>
+            </a:r>
+            <a:r>
+              <a:rPr lang="en-US" b="1" dirty="0" smtClean="0"/>
+              <a:t> Linear Regression</a:t>
+            </a:r>
+            <a:endParaRPr lang="en-US" b="1" dirty="0"/>
+          </a:p>
+        </p:txBody>
+      </p:sp>
+      <p:pic>
+        <p:nvPicPr>
+          <p:cNvPr id="2" name="Picture 1"/>
+          <p:cNvPicPr>
+            <a:picLocks noChangeAspect="1"/>
+          </p:cNvPicPr>
+          <p:nvPr/>
+        </p:nvPicPr>
+        <p:blipFill>
+          <a:blip r:embed="rId2">
+            <a:extLst>
+              <a:ext uri="{28A0092B-C50C-407E-A947-70E740481C1C}">
+                <a14:useLocalDpi xmlns:a14="http://schemas.microsoft.com/office/drawing/2010/main" val="0"/>
+              </a:ext>
+            </a:extLst>
+          </a:blip>
+          <a:stretch>
+            <a:fillRect/>
+          </a:stretch>
+        </p:blipFill>
+        <p:spPr>
+          <a:xfrm>
+            <a:off x="0" y="1041399"/>
+            <a:ext cx="5556701" cy="4069080"/>
+          </a:xfrm>
+          <a:prstGeom prst="rect">
+            <a:avLst/>
+          </a:prstGeom>
+        </p:spPr>
+      </p:pic>
+      <p:pic>
+        <p:nvPicPr>
+          <p:cNvPr id="3" name="Picture 2"/>
+          <p:cNvPicPr>
+            <a:picLocks noChangeAspect="1"/>
+          </p:cNvPicPr>
+          <p:nvPr/>
+        </p:nvPicPr>
+        <p:blipFill>
+          <a:blip r:embed="rId3">
+            <a:extLst>
+              <a:ext uri="{28A0092B-C50C-407E-A947-70E740481C1C}">
+                <a14:useLocalDpi xmlns:a14="http://schemas.microsoft.com/office/drawing/2010/main" val="0"/>
+              </a:ext>
+            </a:extLst>
+          </a:blip>
+          <a:stretch>
+            <a:fillRect/>
+          </a:stretch>
+        </p:blipFill>
+        <p:spPr>
+          <a:xfrm>
+            <a:off x="6312408" y="1041399"/>
+            <a:ext cx="5879592" cy="4212697"/>
+          </a:xfrm>
+          <a:prstGeom prst="rect">
+            <a:avLst/>
+          </a:prstGeom>
+        </p:spPr>
+      </p:pic>
+      <p:sp>
+        <p:nvSpPr>
+          <p:cNvPr id="5" name="Rectangle 4"/>
+          <p:cNvSpPr/>
+          <p:nvPr/>
+        </p:nvSpPr>
+        <p:spPr>
+          <a:xfrm>
+            <a:off x="8188609" y="5252505"/>
+            <a:ext cx="2127191" cy="1200329"/>
+          </a:xfrm>
+          <a:prstGeom prst="rect">
+            <a:avLst/>
+          </a:prstGeom>
+        </p:spPr>
+        <p:txBody>
+          <a:bodyPr wrap="square">
+            <a:spAutoFit/>
+          </a:bodyPr>
+          <a:lstStyle/>
+          <a:p>
+            <a:pPr algn="ctr"/>
+            <a:r>
+              <a:rPr lang="it-IT" b="1" dirty="0" smtClean="0"/>
+              <a:t>Train RMSE: </a:t>
+            </a:r>
+            <a:r>
+              <a:rPr lang="it-IT" dirty="0" smtClean="0"/>
+              <a:t>0.25</a:t>
+            </a:r>
+          </a:p>
+          <a:p>
+            <a:pPr algn="ctr"/>
+            <a:r>
+              <a:rPr lang="it-IT" b="1" dirty="0" smtClean="0"/>
+              <a:t>Test RMSE: </a:t>
+            </a:r>
+            <a:r>
+              <a:rPr lang="it-IT" dirty="0" smtClean="0"/>
+              <a:t>0.42</a:t>
+            </a:r>
+          </a:p>
+          <a:p>
+            <a:pPr algn="ctr"/>
+            <a:r>
+              <a:rPr lang="it-IT" b="1" dirty="0" smtClean="0"/>
+              <a:t>Train R2: </a:t>
+            </a:r>
+            <a:r>
+              <a:rPr lang="it-IT" dirty="0" smtClean="0"/>
+              <a:t>0.93 </a:t>
+            </a:r>
+          </a:p>
+          <a:p>
+            <a:pPr algn="ctr"/>
+            <a:r>
+              <a:rPr lang="it-IT" b="1" dirty="0" smtClean="0"/>
+              <a:t>Test R2: </a:t>
+            </a:r>
+            <a:r>
+              <a:rPr lang="it-IT" dirty="0" smtClean="0"/>
+              <a:t>0.81</a:t>
+            </a:r>
+            <a:endParaRPr lang="en-US" baseline="30000" dirty="0" smtClean="0"/>
+          </a:p>
+        </p:txBody>
+      </p:sp>
+    </p:spTree>
+    <p:extLst>
+      <p:ext uri="{BB962C8B-B14F-4D97-AF65-F5344CB8AC3E}">
+        <p14:creationId xmlns:p14="http://schemas.microsoft.com/office/powerpoint/2010/main" val="1326566021"/>
+      </p:ext>
+    </p:extLst>
+  </p:cSld>
+  <p:clrMapOvr>
+    <a:masterClrMapping/>
+  </p:clrMapOvr>
+</p:sld>
+</file>
+
+<file path=ppt/slides/slide8.xml><?xml version="1.0" encoding="utf-8"?>
+<p:sld xmlns:a="http://schemas.openxmlformats.org/drawingml/2006/main" xmlns:r="http://schemas.openxmlformats.org/officeDocument/2006/relationships" xmlns:p="http://schemas.openxmlformats.org/presentationml/2006/main">
+  <p:cSld>
+    <p:spTree>
+      <p:nvGrpSpPr>
+        <p:cNvPr id="1" name=""/>
+        <p:cNvGrpSpPr/>
+        <p:nvPr/>
+      </p:nvGrpSpPr>
+      <p:grpSpPr>
+        <a:xfrm>
+          <a:off x="0" y="0"/>
+          <a:ext cx="0" cy="0"/>
+          <a:chOff x="0" y="0"/>
+          <a:chExt cx="0" cy="0"/>
+        </a:xfrm>
+      </p:grpSpPr>
+      <p:sp>
+        <p:nvSpPr>
+          <p:cNvPr id="4" name="Title 1"/>
+          <p:cNvSpPr>
+            <a:spLocks noGrp="1"/>
+          </p:cNvSpPr>
+          <p:nvPr>
+            <p:ph type="title"/>
+          </p:nvPr>
+        </p:nvSpPr>
+        <p:spPr>
+          <a:xfrm>
+            <a:off x="128587" y="200025"/>
+            <a:ext cx="10801351" cy="771525"/>
+          </a:xfrm>
+        </p:spPr>
+        <p:txBody>
+          <a:bodyPr>
+            <a:normAutofit/>
+          </a:bodyPr>
+          <a:lstStyle/>
+          <a:p>
+            <a:r>
+              <a:rPr lang="en-US" b="1" dirty="0" smtClean="0"/>
+              <a:t>Machine Learning Model </a:t>
+            </a:r>
+            <a:r>
+              <a:rPr lang="mr-IN" b="1" dirty="0" smtClean="0"/>
+              <a:t>–</a:t>
+            </a:r>
+            <a:r>
+              <a:rPr lang="en-US" b="1" dirty="0" smtClean="0"/>
+              <a:t> </a:t>
+            </a:r>
+            <a:r>
+              <a:rPr lang="en-US" b="1" dirty="0" smtClean="0"/>
+              <a:t>Random Forest</a:t>
+            </a:r>
+            <a:endParaRPr lang="en-US" b="1" dirty="0"/>
+          </a:p>
+        </p:txBody>
+      </p:sp>
+      <p:pic>
+        <p:nvPicPr>
+          <p:cNvPr id="5" name="Picture 4"/>
+          <p:cNvPicPr>
+            <a:picLocks noChangeAspect="1"/>
+          </p:cNvPicPr>
+          <p:nvPr/>
+        </p:nvPicPr>
+        <p:blipFill>
+          <a:blip r:embed="rId2">
+            <a:extLst>
+              <a:ext uri="{28A0092B-C50C-407E-A947-70E740481C1C}">
+                <a14:useLocalDpi xmlns:a14="http://schemas.microsoft.com/office/drawing/2010/main" val="0"/>
+              </a:ext>
+            </a:extLst>
+          </a:blip>
+          <a:stretch>
+            <a:fillRect/>
+          </a:stretch>
+        </p:blipFill>
+        <p:spPr>
+          <a:xfrm>
+            <a:off x="138375" y="1041398"/>
+            <a:ext cx="5418325" cy="4175723"/>
+          </a:xfrm>
+          <a:prstGeom prst="rect">
+            <a:avLst/>
+          </a:prstGeom>
+        </p:spPr>
+      </p:pic>
+      <p:pic>
+        <p:nvPicPr>
+          <p:cNvPr id="7" name="Picture 6"/>
+          <p:cNvPicPr>
+            <a:picLocks noChangeAspect="1"/>
+          </p:cNvPicPr>
+          <p:nvPr/>
+        </p:nvPicPr>
+        <p:blipFill>
+          <a:blip r:embed="rId3">
+            <a:extLst>
+              <a:ext uri="{28A0092B-C50C-407E-A947-70E740481C1C}">
+                <a14:useLocalDpi xmlns:a14="http://schemas.microsoft.com/office/drawing/2010/main" val="0"/>
+              </a:ext>
+            </a:extLst>
+          </a:blip>
+          <a:stretch>
+            <a:fillRect/>
+          </a:stretch>
+        </p:blipFill>
+        <p:spPr>
+          <a:xfrm>
+            <a:off x="6364013" y="1041397"/>
+            <a:ext cx="5827987" cy="4175723"/>
+          </a:xfrm>
+          <a:prstGeom prst="rect">
+            <a:avLst/>
+          </a:prstGeom>
+        </p:spPr>
+      </p:pic>
+      <p:sp>
+        <p:nvSpPr>
+          <p:cNvPr id="9" name="Rectangle 8"/>
+          <p:cNvSpPr/>
+          <p:nvPr/>
+        </p:nvSpPr>
+        <p:spPr>
+          <a:xfrm>
+            <a:off x="8188609" y="5252505"/>
+            <a:ext cx="2127191" cy="1200329"/>
+          </a:xfrm>
+          <a:prstGeom prst="rect">
+            <a:avLst/>
+          </a:prstGeom>
+        </p:spPr>
+        <p:txBody>
+          <a:bodyPr wrap="square">
+            <a:spAutoFit/>
+          </a:bodyPr>
+          <a:lstStyle/>
+          <a:p>
+            <a:pPr algn="ctr"/>
+            <a:r>
+              <a:rPr lang="it-IT" b="1" dirty="0" smtClean="0"/>
+              <a:t>Train RMSE: </a:t>
+            </a:r>
+            <a:r>
+              <a:rPr lang="it-IT" dirty="0" smtClean="0"/>
+              <a:t>0.10</a:t>
+            </a:r>
+          </a:p>
+          <a:p>
+            <a:pPr algn="ctr"/>
+            <a:r>
+              <a:rPr lang="it-IT" b="1" dirty="0" smtClean="0"/>
+              <a:t>Test RMSE: </a:t>
+            </a:r>
+            <a:r>
+              <a:rPr lang="it-IT" dirty="0" smtClean="0"/>
+              <a:t>0.47</a:t>
+            </a:r>
+          </a:p>
+          <a:p>
+            <a:pPr algn="ctr"/>
+            <a:r>
+              <a:rPr lang="it-IT" b="1" dirty="0" smtClean="0"/>
+              <a:t>Train R2: </a:t>
+            </a:r>
+            <a:r>
+              <a:rPr lang="it-IT" dirty="0" smtClean="0"/>
+              <a:t>0.99 </a:t>
+            </a:r>
+          </a:p>
+          <a:p>
+            <a:pPr algn="ctr"/>
+            <a:r>
+              <a:rPr lang="it-IT" b="1" dirty="0" smtClean="0"/>
+              <a:t>Test R2: </a:t>
+            </a:r>
+            <a:r>
+              <a:rPr lang="it-IT" dirty="0" smtClean="0"/>
+              <a:t>0.77</a:t>
+            </a:r>
+            <a:endParaRPr lang="en-US" baseline="30000" dirty="0" smtClean="0"/>
+          </a:p>
+        </p:txBody>
+      </p:sp>
+    </p:spTree>
+    <p:extLst>
+      <p:ext uri="{BB962C8B-B14F-4D97-AF65-F5344CB8AC3E}">
+        <p14:creationId xmlns:p14="http://schemas.microsoft.com/office/powerpoint/2010/main" val="2067440518"/>
       </p:ext>
     </p:extLst>
   </p:cSld>

--- a/Docs/Methodology Presentation.pptx
+++ b/Docs/Methodology Presentation.pptx
@@ -111,6 +111,11 @@
       </a:defRPr>
     </a:lvl9pPr>
   </p:defaultTextStyle>
+  <p:extLst>
+    <p:ext uri="{EFAFB233-063F-42B5-8137-9DF3F51BA10A}">
+      <p15:sldGuideLst xmlns:p15="http://schemas.microsoft.com/office/powerpoint/2012/main"/>
+    </p:ext>
+  </p:extLst>
 </p:presentation>
 </file>
 
@@ -156,10 +161,9 @@
           </a:lstStyle>
           <a:p>
             <a:r>
-              <a:rPr lang="en-US" smtClean="0"/>
+              <a:rPr lang="en-US"/>
               <a:t>Click to edit Master title style</a:t>
             </a:r>
-            <a:endParaRPr lang="en-US"/>
           </a:p>
         </p:txBody>
       </p:sp>
@@ -221,10 +225,9 @@
           </a:lstStyle>
           <a:p>
             <a:r>
-              <a:rPr lang="en-US" smtClean="0"/>
+              <a:rPr lang="en-US"/>
               <a:t>Click to edit Master subtitle style</a:t>
             </a:r>
-            <a:endParaRPr lang="en-US"/>
           </a:p>
         </p:txBody>
       </p:sp>
@@ -245,7 +248,7 @@
           <a:p>
             <a:fld id="{867406AA-3EA6-8349-B98A-09463AD7D742}" type="datetimeFigureOut">
               <a:rPr lang="en-US" smtClean="0"/>
-              <a:t>7/27/19</a:t>
+              <a:t>7/27/2019</a:t>
             </a:fld>
             <a:endParaRPr lang="en-US"/>
           </a:p>
@@ -339,10 +342,9 @@
           <a:lstStyle/>
           <a:p>
             <a:r>
-              <a:rPr lang="en-US" smtClean="0"/>
+              <a:rPr lang="en-US"/>
               <a:t>Click to edit Master title style</a:t>
             </a:r>
-            <a:endParaRPr lang="en-US"/>
           </a:p>
         </p:txBody>
       </p:sp>
@@ -363,38 +365,37 @@
           <a:p>
             <a:pPr lvl="0"/>
             <a:r>
-              <a:rPr lang="en-US" smtClean="0"/>
+              <a:rPr lang="en-US"/>
               <a:t>Click to edit Master text styles</a:t>
             </a:r>
           </a:p>
           <a:p>
             <a:pPr lvl="1"/>
             <a:r>
-              <a:rPr lang="en-US" smtClean="0"/>
+              <a:rPr lang="en-US"/>
               <a:t>Second level</a:t>
             </a:r>
           </a:p>
           <a:p>
             <a:pPr lvl="2"/>
             <a:r>
-              <a:rPr lang="en-US" smtClean="0"/>
+              <a:rPr lang="en-US"/>
               <a:t>Third level</a:t>
             </a:r>
           </a:p>
           <a:p>
             <a:pPr lvl="3"/>
             <a:r>
-              <a:rPr lang="en-US" smtClean="0"/>
+              <a:rPr lang="en-US"/>
               <a:t>Fourth level</a:t>
             </a:r>
           </a:p>
           <a:p>
             <a:pPr lvl="4"/>
             <a:r>
-              <a:rPr lang="en-US" smtClean="0"/>
+              <a:rPr lang="en-US"/>
               <a:t>Fifth level</a:t>
             </a:r>
-            <a:endParaRPr lang="en-US"/>
           </a:p>
         </p:txBody>
       </p:sp>
@@ -415,7 +416,7 @@
           <a:p>
             <a:fld id="{867406AA-3EA6-8349-B98A-09463AD7D742}" type="datetimeFigureOut">
               <a:rPr lang="en-US" smtClean="0"/>
-              <a:t>7/27/19</a:t>
+              <a:t>7/27/2019</a:t>
             </a:fld>
             <a:endParaRPr lang="en-US"/>
           </a:p>
@@ -514,10 +515,9 @@
           <a:lstStyle/>
           <a:p>
             <a:r>
-              <a:rPr lang="en-US" smtClean="0"/>
+              <a:rPr lang="en-US"/>
               <a:t>Click to edit Master title style</a:t>
             </a:r>
-            <a:endParaRPr lang="en-US"/>
           </a:p>
         </p:txBody>
       </p:sp>
@@ -543,38 +543,37 @@
           <a:p>
             <a:pPr lvl="0"/>
             <a:r>
-              <a:rPr lang="en-US" smtClean="0"/>
+              <a:rPr lang="en-US"/>
               <a:t>Click to edit Master text styles</a:t>
             </a:r>
           </a:p>
           <a:p>
             <a:pPr lvl="1"/>
             <a:r>
-              <a:rPr lang="en-US" smtClean="0"/>
+              <a:rPr lang="en-US"/>
               <a:t>Second level</a:t>
             </a:r>
           </a:p>
           <a:p>
             <a:pPr lvl="2"/>
             <a:r>
-              <a:rPr lang="en-US" smtClean="0"/>
+              <a:rPr lang="en-US"/>
               <a:t>Third level</a:t>
             </a:r>
           </a:p>
           <a:p>
             <a:pPr lvl="3"/>
             <a:r>
-              <a:rPr lang="en-US" smtClean="0"/>
+              <a:rPr lang="en-US"/>
               <a:t>Fourth level</a:t>
             </a:r>
           </a:p>
           <a:p>
             <a:pPr lvl="4"/>
             <a:r>
-              <a:rPr lang="en-US" smtClean="0"/>
+              <a:rPr lang="en-US"/>
               <a:t>Fifth level</a:t>
             </a:r>
-            <a:endParaRPr lang="en-US"/>
           </a:p>
         </p:txBody>
       </p:sp>
@@ -595,7 +594,7 @@
           <a:p>
             <a:fld id="{867406AA-3EA6-8349-B98A-09463AD7D742}" type="datetimeFigureOut">
               <a:rPr lang="en-US" smtClean="0"/>
-              <a:t>7/27/19</a:t>
+              <a:t>7/27/2019</a:t>
             </a:fld>
             <a:endParaRPr lang="en-US"/>
           </a:p>
@@ -689,10 +688,9 @@
           <a:lstStyle/>
           <a:p>
             <a:r>
-              <a:rPr lang="en-US" smtClean="0"/>
+              <a:rPr lang="en-US"/>
               <a:t>Click to edit Master title style</a:t>
             </a:r>
-            <a:endParaRPr lang="en-US"/>
           </a:p>
         </p:txBody>
       </p:sp>
@@ -713,38 +711,37 @@
           <a:p>
             <a:pPr lvl="0"/>
             <a:r>
-              <a:rPr lang="en-US" smtClean="0"/>
+              <a:rPr lang="en-US"/>
               <a:t>Click to edit Master text styles</a:t>
             </a:r>
           </a:p>
           <a:p>
             <a:pPr lvl="1"/>
             <a:r>
-              <a:rPr lang="en-US" smtClean="0"/>
+              <a:rPr lang="en-US"/>
               <a:t>Second level</a:t>
             </a:r>
           </a:p>
           <a:p>
             <a:pPr lvl="2"/>
             <a:r>
-              <a:rPr lang="en-US" smtClean="0"/>
+              <a:rPr lang="en-US"/>
               <a:t>Third level</a:t>
             </a:r>
           </a:p>
           <a:p>
             <a:pPr lvl="3"/>
             <a:r>
-              <a:rPr lang="en-US" smtClean="0"/>
+              <a:rPr lang="en-US"/>
               <a:t>Fourth level</a:t>
             </a:r>
           </a:p>
           <a:p>
             <a:pPr lvl="4"/>
             <a:r>
-              <a:rPr lang="en-US" smtClean="0"/>
+              <a:rPr lang="en-US"/>
               <a:t>Fifth level</a:t>
             </a:r>
-            <a:endParaRPr lang="en-US"/>
           </a:p>
         </p:txBody>
       </p:sp>
@@ -765,7 +762,7 @@
           <a:p>
             <a:fld id="{867406AA-3EA6-8349-B98A-09463AD7D742}" type="datetimeFigureOut">
               <a:rPr lang="en-US" smtClean="0"/>
-              <a:t>7/27/19</a:t>
+              <a:t>7/27/2019</a:t>
             </a:fld>
             <a:endParaRPr lang="en-US"/>
           </a:p>
@@ -868,10 +865,9 @@
           </a:lstStyle>
           <a:p>
             <a:r>
-              <a:rPr lang="en-US" smtClean="0"/>
+              <a:rPr lang="en-US"/>
               <a:t>Click to edit Master title style</a:t>
             </a:r>
-            <a:endParaRPr lang="en-US"/>
           </a:p>
         </p:txBody>
       </p:sp>
@@ -988,7 +984,7 @@
           <a:p>
             <a:pPr lvl="0"/>
             <a:r>
-              <a:rPr lang="en-US" smtClean="0"/>
+              <a:rPr lang="en-US"/>
               <a:t>Click to edit Master text styles</a:t>
             </a:r>
           </a:p>
@@ -1011,7 +1007,7 @@
           <a:p>
             <a:fld id="{867406AA-3EA6-8349-B98A-09463AD7D742}" type="datetimeFigureOut">
               <a:rPr lang="en-US" smtClean="0"/>
-              <a:t>7/27/19</a:t>
+              <a:t>7/27/2019</a:t>
             </a:fld>
             <a:endParaRPr lang="en-US"/>
           </a:p>
@@ -1105,10 +1101,9 @@
           <a:lstStyle/>
           <a:p>
             <a:r>
-              <a:rPr lang="en-US" smtClean="0"/>
+              <a:rPr lang="en-US"/>
               <a:t>Click to edit Master title style</a:t>
             </a:r>
-            <a:endParaRPr lang="en-US"/>
           </a:p>
         </p:txBody>
       </p:sp>
@@ -1134,38 +1129,37 @@
           <a:p>
             <a:pPr lvl="0"/>
             <a:r>
-              <a:rPr lang="en-US" smtClean="0"/>
+              <a:rPr lang="en-US"/>
               <a:t>Click to edit Master text styles</a:t>
             </a:r>
           </a:p>
           <a:p>
             <a:pPr lvl="1"/>
             <a:r>
-              <a:rPr lang="en-US" smtClean="0"/>
+              <a:rPr lang="en-US"/>
               <a:t>Second level</a:t>
             </a:r>
           </a:p>
           <a:p>
             <a:pPr lvl="2"/>
             <a:r>
-              <a:rPr lang="en-US" smtClean="0"/>
+              <a:rPr lang="en-US"/>
               <a:t>Third level</a:t>
             </a:r>
           </a:p>
           <a:p>
             <a:pPr lvl="3"/>
             <a:r>
-              <a:rPr lang="en-US" smtClean="0"/>
+              <a:rPr lang="en-US"/>
               <a:t>Fourth level</a:t>
             </a:r>
           </a:p>
           <a:p>
             <a:pPr lvl="4"/>
             <a:r>
-              <a:rPr lang="en-US" smtClean="0"/>
+              <a:rPr lang="en-US"/>
               <a:t>Fifth level</a:t>
             </a:r>
-            <a:endParaRPr lang="en-US"/>
           </a:p>
         </p:txBody>
       </p:sp>
@@ -1191,38 +1185,37 @@
           <a:p>
             <a:pPr lvl="0"/>
             <a:r>
-              <a:rPr lang="en-US" smtClean="0"/>
+              <a:rPr lang="en-US"/>
               <a:t>Click to edit Master text styles</a:t>
             </a:r>
           </a:p>
           <a:p>
             <a:pPr lvl="1"/>
             <a:r>
-              <a:rPr lang="en-US" smtClean="0"/>
+              <a:rPr lang="en-US"/>
               <a:t>Second level</a:t>
             </a:r>
           </a:p>
           <a:p>
             <a:pPr lvl="2"/>
             <a:r>
-              <a:rPr lang="en-US" smtClean="0"/>
+              <a:rPr lang="en-US"/>
               <a:t>Third level</a:t>
             </a:r>
           </a:p>
           <a:p>
             <a:pPr lvl="3"/>
             <a:r>
-              <a:rPr lang="en-US" smtClean="0"/>
+              <a:rPr lang="en-US"/>
               <a:t>Fourth level</a:t>
             </a:r>
           </a:p>
           <a:p>
             <a:pPr lvl="4"/>
             <a:r>
-              <a:rPr lang="en-US" smtClean="0"/>
+              <a:rPr lang="en-US"/>
               <a:t>Fifth level</a:t>
             </a:r>
-            <a:endParaRPr lang="en-US"/>
           </a:p>
         </p:txBody>
       </p:sp>
@@ -1243,7 +1236,7 @@
           <a:p>
             <a:fld id="{867406AA-3EA6-8349-B98A-09463AD7D742}" type="datetimeFigureOut">
               <a:rPr lang="en-US" smtClean="0"/>
-              <a:t>7/27/19</a:t>
+              <a:t>7/27/2019</a:t>
             </a:fld>
             <a:endParaRPr lang="en-US"/>
           </a:p>
@@ -1342,10 +1335,9 @@
           <a:lstStyle/>
           <a:p>
             <a:r>
-              <a:rPr lang="en-US" smtClean="0"/>
+              <a:rPr lang="en-US"/>
               <a:t>Click to edit Master title style</a:t>
             </a:r>
-            <a:endParaRPr lang="en-US"/>
           </a:p>
         </p:txBody>
       </p:sp>
@@ -1408,7 +1400,7 @@
           <a:p>
             <a:pPr lvl="0"/>
             <a:r>
-              <a:rPr lang="en-US" smtClean="0"/>
+              <a:rPr lang="en-US"/>
               <a:t>Click to edit Master text styles</a:t>
             </a:r>
           </a:p>
@@ -1436,38 +1428,37 @@
           <a:p>
             <a:pPr lvl="0"/>
             <a:r>
-              <a:rPr lang="en-US" smtClean="0"/>
+              <a:rPr lang="en-US"/>
               <a:t>Click to edit Master text styles</a:t>
             </a:r>
           </a:p>
           <a:p>
             <a:pPr lvl="1"/>
             <a:r>
-              <a:rPr lang="en-US" smtClean="0"/>
+              <a:rPr lang="en-US"/>
               <a:t>Second level</a:t>
             </a:r>
           </a:p>
           <a:p>
             <a:pPr lvl="2"/>
             <a:r>
-              <a:rPr lang="en-US" smtClean="0"/>
+              <a:rPr lang="en-US"/>
               <a:t>Third level</a:t>
             </a:r>
           </a:p>
           <a:p>
             <a:pPr lvl="3"/>
             <a:r>
-              <a:rPr lang="en-US" smtClean="0"/>
+              <a:rPr lang="en-US"/>
               <a:t>Fourth level</a:t>
             </a:r>
           </a:p>
           <a:p>
             <a:pPr lvl="4"/>
             <a:r>
-              <a:rPr lang="en-US" smtClean="0"/>
+              <a:rPr lang="en-US"/>
               <a:t>Fifth level</a:t>
             </a:r>
-            <a:endParaRPr lang="en-US"/>
           </a:p>
         </p:txBody>
       </p:sp>
@@ -1530,7 +1521,7 @@
           <a:p>
             <a:pPr lvl="0"/>
             <a:r>
-              <a:rPr lang="en-US" smtClean="0"/>
+              <a:rPr lang="en-US"/>
               <a:t>Click to edit Master text styles</a:t>
             </a:r>
           </a:p>
@@ -1558,38 +1549,37 @@
           <a:p>
             <a:pPr lvl="0"/>
             <a:r>
-              <a:rPr lang="en-US" smtClean="0"/>
+              <a:rPr lang="en-US"/>
               <a:t>Click to edit Master text styles</a:t>
             </a:r>
           </a:p>
           <a:p>
             <a:pPr lvl="1"/>
             <a:r>
-              <a:rPr lang="en-US" smtClean="0"/>
+              <a:rPr lang="en-US"/>
               <a:t>Second level</a:t>
             </a:r>
           </a:p>
           <a:p>
             <a:pPr lvl="2"/>
             <a:r>
-              <a:rPr lang="en-US" smtClean="0"/>
+              <a:rPr lang="en-US"/>
               <a:t>Third level</a:t>
             </a:r>
           </a:p>
           <a:p>
             <a:pPr lvl="3"/>
             <a:r>
-              <a:rPr lang="en-US" smtClean="0"/>
+              <a:rPr lang="en-US"/>
               <a:t>Fourth level</a:t>
             </a:r>
           </a:p>
           <a:p>
             <a:pPr lvl="4"/>
             <a:r>
-              <a:rPr lang="en-US" smtClean="0"/>
+              <a:rPr lang="en-US"/>
               <a:t>Fifth level</a:t>
             </a:r>
-            <a:endParaRPr lang="en-US"/>
           </a:p>
         </p:txBody>
       </p:sp>
@@ -1610,7 +1600,7 @@
           <a:p>
             <a:fld id="{867406AA-3EA6-8349-B98A-09463AD7D742}" type="datetimeFigureOut">
               <a:rPr lang="en-US" smtClean="0"/>
-              <a:t>7/27/19</a:t>
+              <a:t>7/27/2019</a:t>
             </a:fld>
             <a:endParaRPr lang="en-US"/>
           </a:p>
@@ -1704,10 +1694,9 @@
           <a:lstStyle/>
           <a:p>
             <a:r>
-              <a:rPr lang="en-US" smtClean="0"/>
+              <a:rPr lang="en-US"/>
               <a:t>Click to edit Master title style</a:t>
             </a:r>
-            <a:endParaRPr lang="en-US"/>
           </a:p>
         </p:txBody>
       </p:sp>
@@ -1728,7 +1717,7 @@
           <a:p>
             <a:fld id="{867406AA-3EA6-8349-B98A-09463AD7D742}" type="datetimeFigureOut">
               <a:rPr lang="en-US" smtClean="0"/>
-              <a:t>7/27/19</a:t>
+              <a:t>7/27/2019</a:t>
             </a:fld>
             <a:endParaRPr lang="en-US"/>
           </a:p>
@@ -1823,7 +1812,7 @@
           <a:p>
             <a:fld id="{867406AA-3EA6-8349-B98A-09463AD7D742}" type="datetimeFigureOut">
               <a:rPr lang="en-US" smtClean="0"/>
-              <a:t>7/27/19</a:t>
+              <a:t>7/27/2019</a:t>
             </a:fld>
             <a:endParaRPr lang="en-US"/>
           </a:p>
@@ -1926,10 +1915,9 @@
           </a:lstStyle>
           <a:p>
             <a:r>
-              <a:rPr lang="en-US" smtClean="0"/>
+              <a:rPr lang="en-US"/>
               <a:t>Click to edit Master title style</a:t>
             </a:r>
-            <a:endParaRPr lang="en-US"/>
           </a:p>
         </p:txBody>
       </p:sp>
@@ -1983,38 +1971,37 @@
           <a:p>
             <a:pPr lvl="0"/>
             <a:r>
-              <a:rPr lang="en-US" smtClean="0"/>
+              <a:rPr lang="en-US"/>
               <a:t>Click to edit Master text styles</a:t>
             </a:r>
           </a:p>
           <a:p>
             <a:pPr lvl="1"/>
             <a:r>
-              <a:rPr lang="en-US" smtClean="0"/>
+              <a:rPr lang="en-US"/>
               <a:t>Second level</a:t>
             </a:r>
           </a:p>
           <a:p>
             <a:pPr lvl="2"/>
             <a:r>
-              <a:rPr lang="en-US" smtClean="0"/>
+              <a:rPr lang="en-US"/>
               <a:t>Third level</a:t>
             </a:r>
           </a:p>
           <a:p>
             <a:pPr lvl="3"/>
             <a:r>
-              <a:rPr lang="en-US" smtClean="0"/>
+              <a:rPr lang="en-US"/>
               <a:t>Fourth level</a:t>
             </a:r>
           </a:p>
           <a:p>
             <a:pPr lvl="4"/>
             <a:r>
-              <a:rPr lang="en-US" smtClean="0"/>
+              <a:rPr lang="en-US"/>
               <a:t>Fifth level</a:t>
             </a:r>
-            <a:endParaRPr lang="en-US"/>
           </a:p>
         </p:txBody>
       </p:sp>
@@ -2077,7 +2064,7 @@
           <a:p>
             <a:pPr lvl="0"/>
             <a:r>
-              <a:rPr lang="en-US" smtClean="0"/>
+              <a:rPr lang="en-US"/>
               <a:t>Click to edit Master text styles</a:t>
             </a:r>
           </a:p>
@@ -2100,7 +2087,7 @@
           <a:p>
             <a:fld id="{867406AA-3EA6-8349-B98A-09463AD7D742}" type="datetimeFigureOut">
               <a:rPr lang="en-US" smtClean="0"/>
-              <a:t>7/27/19</a:t>
+              <a:t>7/27/2019</a:t>
             </a:fld>
             <a:endParaRPr lang="en-US"/>
           </a:p>
@@ -2203,10 +2190,9 @@
           </a:lstStyle>
           <a:p>
             <a:r>
-              <a:rPr lang="en-US" smtClean="0"/>
+              <a:rPr lang="en-US"/>
               <a:t>Click to edit Master title style</a:t>
             </a:r>
-            <a:endParaRPr lang="en-US"/>
           </a:p>
         </p:txBody>
       </p:sp>
@@ -2330,7 +2316,7 @@
           <a:p>
             <a:pPr lvl="0"/>
             <a:r>
-              <a:rPr lang="en-US" smtClean="0"/>
+              <a:rPr lang="en-US"/>
               <a:t>Click to edit Master text styles</a:t>
             </a:r>
           </a:p>
@@ -2353,7 +2339,7 @@
           <a:p>
             <a:fld id="{867406AA-3EA6-8349-B98A-09463AD7D742}" type="datetimeFigureOut">
               <a:rPr lang="en-US" smtClean="0"/>
-              <a:t>7/27/19</a:t>
+              <a:t>7/27/2019</a:t>
             </a:fld>
             <a:endParaRPr lang="en-US"/>
           </a:p>
@@ -2462,10 +2448,9 @@
           <a:lstStyle/>
           <a:p>
             <a:r>
-              <a:rPr lang="en-US" smtClean="0"/>
+              <a:rPr lang="en-US"/>
               <a:t>Click to edit Master title style</a:t>
             </a:r>
-            <a:endParaRPr lang="en-US"/>
           </a:p>
         </p:txBody>
       </p:sp>
@@ -2496,38 +2481,37 @@
           <a:p>
             <a:pPr lvl="0"/>
             <a:r>
-              <a:rPr lang="en-US" smtClean="0"/>
+              <a:rPr lang="en-US"/>
               <a:t>Click to edit Master text styles</a:t>
             </a:r>
           </a:p>
           <a:p>
             <a:pPr lvl="1"/>
             <a:r>
-              <a:rPr lang="en-US" smtClean="0"/>
+              <a:rPr lang="en-US"/>
               <a:t>Second level</a:t>
             </a:r>
           </a:p>
           <a:p>
             <a:pPr lvl="2"/>
             <a:r>
-              <a:rPr lang="en-US" smtClean="0"/>
+              <a:rPr lang="en-US"/>
               <a:t>Third level</a:t>
             </a:r>
           </a:p>
           <a:p>
             <a:pPr lvl="3"/>
             <a:r>
-              <a:rPr lang="en-US" smtClean="0"/>
+              <a:rPr lang="en-US"/>
               <a:t>Fourth level</a:t>
             </a:r>
           </a:p>
           <a:p>
             <a:pPr lvl="4"/>
             <a:r>
-              <a:rPr lang="en-US" smtClean="0"/>
+              <a:rPr lang="en-US"/>
               <a:t>Fifth level</a:t>
             </a:r>
-            <a:endParaRPr lang="en-US"/>
           </a:p>
         </p:txBody>
       </p:sp>
@@ -2566,7 +2550,7 @@
           <a:p>
             <a:fld id="{867406AA-3EA6-8349-B98A-09463AD7D742}" type="datetimeFigureOut">
               <a:rPr lang="en-US" smtClean="0"/>
-              <a:t>7/27/19</a:t>
+              <a:t>7/27/2019</a:t>
             </a:fld>
             <a:endParaRPr lang="en-US"/>
           </a:p>
@@ -2987,10 +2971,9 @@
           <a:lstStyle/>
           <a:p>
             <a:r>
-              <a:rPr lang="en-US" dirty="0" smtClean="0"/>
+              <a:rPr lang="en-US" dirty="0"/>
               <a:t>Analytics Methodology</a:t>
             </a:r>
-            <a:endParaRPr lang="en-US" dirty="0"/>
           </a:p>
         </p:txBody>
       </p:sp>
@@ -3029,7 +3012,7 @@
               <a:defRPr/>
             </a:pPr>
             <a:r>
-              <a:rPr lang="en-US" dirty="0" smtClean="0"/>
+              <a:rPr lang="en-US" dirty="0"/>
               <a:t>Data Collection</a:t>
             </a:r>
           </a:p>
@@ -3051,7 +3034,7 @@
               <a:tabLst/>
               <a:defRPr/>
             </a:pPr>
-            <a:endParaRPr lang="en-US" dirty="0" smtClean="0"/>
+            <a:endParaRPr lang="en-US" dirty="0"/>
           </a:p>
           <a:p>
             <a:pPr marL="514350" marR="0" lvl="0" indent="-514350" defTabSz="914400" eaLnBrk="1" fontAlgn="auto" latinLnBrk="0" hangingPunct="1">
@@ -3072,7 +3055,7 @@
               <a:defRPr/>
             </a:pPr>
             <a:r>
-              <a:rPr lang="en-US" dirty="0" smtClean="0"/>
+              <a:rPr lang="en-US" dirty="0"/>
               <a:t>Data Transformation/Exploration</a:t>
             </a:r>
           </a:p>
@@ -3086,10 +3069,9 @@
               </a:spcBef>
             </a:pPr>
             <a:r>
-              <a:rPr lang="en-US" dirty="0" smtClean="0"/>
+              <a:rPr lang="en-US" dirty="0"/>
               <a:t>Time Trend Analysis</a:t>
             </a:r>
-            <a:endParaRPr lang="en-US" dirty="0" smtClean="0"/>
           </a:p>
           <a:p>
             <a:pPr lvl="1">
@@ -3101,7 +3083,7 @@
               </a:spcBef>
             </a:pPr>
             <a:r>
-              <a:rPr lang="en-US" dirty="0" smtClean="0"/>
+              <a:rPr lang="en-US" dirty="0"/>
               <a:t>Normality Analysis</a:t>
             </a:r>
           </a:p>
@@ -3115,7 +3097,7 @@
               </a:spcBef>
             </a:pPr>
             <a:r>
-              <a:rPr lang="en-US" dirty="0" smtClean="0"/>
+              <a:rPr lang="en-US" dirty="0"/>
               <a:t>Variable Correlations</a:t>
             </a:r>
           </a:p>
@@ -3130,7 +3112,7 @@
               <a:buFontTx/>
               <a:buAutoNum type="arabicPeriod"/>
             </a:pPr>
-            <a:endParaRPr lang="en-US" dirty="0" smtClean="0"/>
+            <a:endParaRPr lang="en-US" dirty="0"/>
           </a:p>
           <a:p>
             <a:pPr marL="514350" indent="-514350">
@@ -3144,15 +3126,15 @@
               <a:buAutoNum type="arabicPeriod"/>
             </a:pPr>
             <a:r>
-              <a:rPr lang="en-US" dirty="0" smtClean="0"/>
+              <a:rPr lang="en-US" dirty="0"/>
               <a:t>Model building </a:t>
             </a:r>
             <a:r>
-              <a:rPr lang="mr-IN" dirty="0" smtClean="0"/>
+              <a:rPr lang="mr-IN" dirty="0"/>
               <a:t>–</a:t>
             </a:r>
             <a:r>
-              <a:rPr lang="en-US" dirty="0" smtClean="0"/>
+              <a:rPr lang="en-US" dirty="0"/>
               <a:t> Econometric Model</a:t>
             </a:r>
           </a:p>
@@ -3166,7 +3148,7 @@
               </a:spcBef>
             </a:pPr>
             <a:r>
-              <a:rPr lang="en-US" dirty="0" smtClean="0"/>
+              <a:rPr lang="en-US" dirty="0"/>
               <a:t>ARIMA</a:t>
             </a:r>
           </a:p>
@@ -3180,7 +3162,7 @@
               </a:spcBef>
             </a:pPr>
             <a:r>
-              <a:rPr lang="en-US" dirty="0" smtClean="0"/>
+              <a:rPr lang="en-US" dirty="0"/>
               <a:t>SARIMAX</a:t>
             </a:r>
           </a:p>
@@ -3202,7 +3184,7 @@
               <a:tabLst/>
               <a:defRPr/>
             </a:pPr>
-            <a:endParaRPr lang="en-US" dirty="0" smtClean="0"/>
+            <a:endParaRPr lang="en-US" dirty="0"/>
           </a:p>
           <a:p>
             <a:pPr marL="514350" indent="-514350">
@@ -3216,15 +3198,15 @@
               <a:buAutoNum type="arabicPeriod"/>
             </a:pPr>
             <a:r>
-              <a:rPr lang="en-US" dirty="0" smtClean="0"/>
+              <a:rPr lang="en-US" dirty="0"/>
               <a:t>Model building </a:t>
             </a:r>
             <a:r>
-              <a:rPr lang="mr-IN" dirty="0" smtClean="0"/>
+              <a:rPr lang="mr-IN" dirty="0"/>
               <a:t>–</a:t>
             </a:r>
             <a:r>
-              <a:rPr lang="en-US" dirty="0" smtClean="0"/>
+              <a:rPr lang="en-US" dirty="0"/>
               <a:t> Machine Learning Model</a:t>
             </a:r>
           </a:p>
@@ -3238,7 +3220,7 @@
               </a:spcBef>
             </a:pPr>
             <a:r>
-              <a:rPr lang="en-US" dirty="0" smtClean="0"/>
+              <a:rPr lang="en-US" dirty="0"/>
               <a:t>Regression</a:t>
             </a:r>
           </a:p>
@@ -3252,7 +3234,7 @@
               </a:spcBef>
             </a:pPr>
             <a:r>
-              <a:rPr lang="en-US" dirty="0" smtClean="0"/>
+              <a:rPr lang="en-US" dirty="0"/>
               <a:t>Random Forest</a:t>
             </a:r>
           </a:p>
@@ -3304,10 +3286,9 @@
           <a:lstStyle/>
           <a:p>
             <a:r>
-              <a:rPr lang="en-US" dirty="0" smtClean="0"/>
+              <a:rPr lang="en-US" dirty="0"/>
               <a:t>Data Collection</a:t>
             </a:r>
-            <a:endParaRPr lang="en-US" dirty="0"/>
           </a:p>
         </p:txBody>
       </p:sp>
@@ -3331,13 +3312,8 @@
             <a:pPr lvl="0"/>
             <a:r>
               <a:rPr lang="en-US" dirty="0"/>
-              <a:t>Natural Gas </a:t>
-            </a:r>
-            <a:r>
-              <a:rPr lang="en-US" dirty="0" smtClean="0"/>
-              <a:t>Consumption and Prices</a:t>
-            </a:r>
-            <a:endParaRPr lang="en-US" dirty="0"/>
+              <a:t>Natural Gas Consumption and Prices</a:t>
+            </a:r>
           </a:p>
           <a:p>
             <a:pPr lvl="1"/>
@@ -3363,12 +3339,8 @@
           <a:p>
             <a:pPr lvl="1"/>
             <a:r>
-              <a:rPr lang="en-US" dirty="0" smtClean="0"/>
-              <a:t>Range</a:t>
-            </a:r>
-            <a:r>
               <a:rPr lang="en-US" dirty="0"/>
-              <a:t>: daily value for 15 years from 01/01/2001 – 01/07/2019</a:t>
+              <a:t>Range: daily value for 15 years from 01/01/2001 – 01/07/2019</a:t>
             </a:r>
           </a:p>
           <a:p>
@@ -3399,7 +3371,7 @@
               <a:t>Method: API call using module </a:t>
             </a:r>
             <a:r>
-              <a:rPr lang="en-US" dirty="0" err="1" smtClean="0"/>
+              <a:rPr lang="en-US" dirty="0" err="1"/>
               <a:t>fix_yahoo_finance</a:t>
             </a:r>
             <a:endParaRPr lang="en-US" dirty="0"/>
@@ -3452,12 +3424,8 @@
           <a:p>
             <a:pPr lvl="1"/>
             <a:r>
-              <a:rPr lang="en-US" dirty="0" smtClean="0"/>
-              <a:t>Range</a:t>
-            </a:r>
-            <a:r>
               <a:rPr lang="en-US" dirty="0"/>
-              <a:t>: quarterly value for 20 years from 01/03/2004 – 01/07/2019.</a:t>
+              <a:t>Range: quarterly value for 20 years from 01/03/2004 – 01/07/2019.</a:t>
             </a:r>
           </a:p>
           <a:p>
@@ -3533,18 +3501,17 @@
           <a:lstStyle/>
           <a:p>
             <a:r>
-              <a:rPr lang="en-US" b="1" dirty="0" smtClean="0"/>
+              <a:rPr lang="en-US" b="1" dirty="0"/>
               <a:t>Data Exploration </a:t>
             </a:r>
             <a:r>
-              <a:rPr lang="mr-IN" b="1" dirty="0" smtClean="0"/>
+              <a:rPr lang="mr-IN" b="1" dirty="0"/>
               <a:t>–</a:t>
             </a:r>
             <a:r>
-              <a:rPr lang="en-US" b="1" dirty="0" smtClean="0"/>
+              <a:rPr lang="en-US" b="1" dirty="0"/>
               <a:t> Time Trend Analysis</a:t>
             </a:r>
-            <a:endParaRPr lang="en-US" b="1" dirty="0"/>
           </a:p>
         </p:txBody>
       </p:sp>
@@ -3571,14 +3538,13 @@
           <a:lstStyle/>
           <a:p>
             <a:r>
-              <a:rPr lang="en-US" b="1" smtClean="0"/>
+              <a:rPr lang="en-US" b="1"/>
               <a:t>Drastic </a:t>
             </a:r>
             <a:r>
-              <a:rPr lang="en-US" b="1" dirty="0" smtClean="0"/>
+              <a:rPr lang="en-US" b="1" dirty="0"/>
               <a:t>intra-year consumption variations</a:t>
             </a:r>
-            <a:endParaRPr lang="en-US" b="1" dirty="0"/>
           </a:p>
         </p:txBody>
       </p:sp>
@@ -3664,10 +3630,9 @@
           <a:lstStyle/>
           <a:p>
             <a:r>
-              <a:rPr lang="en-US" b="1" dirty="0" smtClean="0"/>
+              <a:rPr lang="en-US" b="1" dirty="0"/>
               <a:t>Consumption has been increasing over the years</a:t>
             </a:r>
-            <a:endParaRPr lang="en-US" b="1" dirty="0" smtClean="0"/>
           </a:p>
         </p:txBody>
       </p:sp>
@@ -3724,18 +3689,17 @@
           <a:lstStyle/>
           <a:p>
             <a:r>
-              <a:rPr lang="en-US" b="1" dirty="0" smtClean="0"/>
+              <a:rPr lang="en-US" b="1" dirty="0"/>
               <a:t>Data Exploration </a:t>
             </a:r>
             <a:r>
-              <a:rPr lang="mr-IN" b="1" dirty="0" smtClean="0"/>
+              <a:rPr lang="mr-IN" b="1" dirty="0"/>
               <a:t>–</a:t>
             </a:r>
             <a:r>
-              <a:rPr lang="en-US" b="1" dirty="0" smtClean="0"/>
+              <a:rPr lang="en-US" b="1" dirty="0"/>
               <a:t> Normality Analysis</a:t>
             </a:r>
-            <a:endParaRPr lang="en-US" b="1" dirty="0"/>
           </a:p>
         </p:txBody>
       </p:sp>
@@ -3792,11 +3756,11 @@
           <a:p>
             <a:pPr algn="ctr"/>
             <a:r>
-              <a:rPr lang="en-US" b="1" dirty="0" smtClean="0"/>
+              <a:rPr lang="en-US" b="1" dirty="0"/>
               <a:t>Normality Test: </a:t>
             </a:r>
             <a:r>
-              <a:rPr lang="en-US" dirty="0" smtClean="0"/>
+              <a:rPr lang="en-US" dirty="0"/>
               <a:t>Shapiro Test</a:t>
             </a:r>
           </a:p>
@@ -3804,14 +3768,10 @@
             <a:pPr algn="ctr"/>
             <a:r>
               <a:rPr lang="en-US" dirty="0"/>
-              <a:t>p</a:t>
-            </a:r>
-            <a:r>
-              <a:rPr lang="en-US" dirty="0" smtClean="0"/>
-              <a:t> = 1.2 x 10</a:t>
-            </a:r>
-            <a:r>
-              <a:rPr lang="en-US" baseline="30000" dirty="0" smtClean="0"/>
+              <a:t>p = 1.2 x 10</a:t>
+            </a:r>
+            <a:r>
+              <a:rPr lang="en-US" baseline="30000" dirty="0"/>
               <a:t>-7</a:t>
             </a:r>
           </a:p>
@@ -3870,11 +3830,11 @@
           <a:p>
             <a:pPr algn="ctr"/>
             <a:r>
-              <a:rPr lang="en-US" b="1" dirty="0" smtClean="0"/>
+              <a:rPr lang="en-US" b="1" dirty="0"/>
               <a:t>Normality Test: </a:t>
             </a:r>
             <a:r>
-              <a:rPr lang="en-US" dirty="0" smtClean="0"/>
+              <a:rPr lang="en-US" dirty="0"/>
               <a:t>Shapiro Test</a:t>
             </a:r>
           </a:p>
@@ -3882,14 +3842,10 @@
             <a:pPr algn="ctr"/>
             <a:r>
               <a:rPr lang="en-US" dirty="0"/>
-              <a:t>p</a:t>
-            </a:r>
-            <a:r>
-              <a:rPr lang="en-US" dirty="0" smtClean="0"/>
-              <a:t> = 9.4 x 10</a:t>
-            </a:r>
-            <a:r>
-              <a:rPr lang="en-US" baseline="30000" dirty="0" smtClean="0"/>
+              <a:t>p = 9.4 x 10</a:t>
+            </a:r>
+            <a:r>
+              <a:rPr lang="en-US" baseline="30000" dirty="0"/>
               <a:t>-5</a:t>
             </a:r>
           </a:p>
@@ -3948,18 +3904,17 @@
           <a:lstStyle/>
           <a:p>
             <a:r>
-              <a:rPr lang="en-US" b="1" dirty="0" smtClean="0"/>
+              <a:rPr lang="en-US" b="1" dirty="0"/>
               <a:t>Data Exploration </a:t>
             </a:r>
             <a:r>
-              <a:rPr lang="mr-IN" b="1" dirty="0" smtClean="0"/>
+              <a:rPr lang="mr-IN" b="1" dirty="0"/>
               <a:t>–</a:t>
             </a:r>
             <a:r>
-              <a:rPr lang="en-US" b="1" dirty="0" smtClean="0"/>
+              <a:rPr lang="en-US" b="1" dirty="0"/>
               <a:t>Correlation Matrix</a:t>
             </a:r>
-            <a:endParaRPr lang="en-US" b="1" dirty="0"/>
           </a:p>
         </p:txBody>
       </p:sp>
@@ -4046,18 +4001,17 @@
           <a:lstStyle/>
           <a:p>
             <a:r>
-              <a:rPr lang="en-US" b="1" dirty="0" smtClean="0"/>
+              <a:rPr lang="en-US" b="1" dirty="0"/>
               <a:t>Econometric Model </a:t>
             </a:r>
             <a:r>
-              <a:rPr lang="mr-IN" b="1" dirty="0" smtClean="0"/>
+              <a:rPr lang="mr-IN" b="1" dirty="0"/>
               <a:t>–</a:t>
             </a:r>
             <a:r>
-              <a:rPr lang="en-US" b="1" dirty="0" smtClean="0"/>
+              <a:rPr lang="en-US" b="1" dirty="0"/>
               <a:t> ARIMA</a:t>
             </a:r>
-            <a:endParaRPr lang="en-US" b="1" dirty="0"/>
           </a:p>
         </p:txBody>
       </p:sp>
@@ -4260,7 +4214,7 @@
           <a:lstStyle/>
           <a:p>
             <a:r>
-              <a:rPr lang="en-US" smtClean="0"/>
+              <a:rPr lang="en-US"/>
               <a:t>Autoregressive Formula:</a:t>
             </a:r>
             <a:endParaRPr lang="en-US" dirty="0"/>
@@ -4290,14 +4244,13 @@
           <a:lstStyle/>
           <a:p>
             <a:r>
-              <a:rPr lang="en-US" smtClean="0"/>
+              <a:rPr lang="en-US"/>
               <a:t>Moving Average </a:t>
             </a:r>
             <a:r>
-              <a:rPr lang="en-US" dirty="0" smtClean="0"/>
+              <a:rPr lang="en-US" dirty="0"/>
               <a:t>Formula:</a:t>
             </a:r>
-            <a:endParaRPr lang="en-US" dirty="0"/>
           </a:p>
         </p:txBody>
       </p:sp>
@@ -4354,18 +4307,17 @@
           <a:lstStyle/>
           <a:p>
             <a:r>
-              <a:rPr lang="en-US" b="1" dirty="0" smtClean="0"/>
+              <a:rPr lang="en-US" b="1" dirty="0"/>
               <a:t>Machine Learning Model </a:t>
             </a:r>
             <a:r>
-              <a:rPr lang="mr-IN" b="1" dirty="0" smtClean="0"/>
+              <a:rPr lang="mr-IN" b="1" dirty="0"/>
               <a:t>–</a:t>
             </a:r>
             <a:r>
-              <a:rPr lang="en-US" b="1" dirty="0" smtClean="0"/>
+              <a:rPr lang="en-US" b="1" dirty="0"/>
               <a:t> Linear Regression</a:t>
             </a:r>
-            <a:endParaRPr lang="en-US" b="1" dirty="0"/>
           </a:p>
         </p:txBody>
       </p:sp>
@@ -4452,47 +4404,47 @@
           <a:p>
             <a:pPr algn="ctr"/>
             <a:r>
-              <a:rPr lang="it-IT" b="1" dirty="0" smtClean="0"/>
+              <a:rPr lang="it-IT" b="1" dirty="0"/>
               <a:t>Train RMSE: </a:t>
             </a:r>
             <a:r>
-              <a:rPr lang="it-IT" dirty="0" smtClean="0"/>
+              <a:rPr lang="it-IT" dirty="0"/>
               <a:t>0.25</a:t>
             </a:r>
           </a:p>
           <a:p>
             <a:pPr algn="ctr"/>
             <a:r>
-              <a:rPr lang="it-IT" b="1" dirty="0" smtClean="0"/>
+              <a:rPr lang="it-IT" b="1" dirty="0"/>
               <a:t>Test RMSE: </a:t>
             </a:r>
             <a:r>
-              <a:rPr lang="it-IT" dirty="0" smtClean="0"/>
+              <a:rPr lang="it-IT" dirty="0"/>
               <a:t>0.42</a:t>
             </a:r>
           </a:p>
           <a:p>
             <a:pPr algn="ctr"/>
             <a:r>
-              <a:rPr lang="it-IT" b="1" dirty="0" smtClean="0"/>
+              <a:rPr lang="it-IT" b="1" dirty="0"/>
               <a:t>Train R2: </a:t>
             </a:r>
             <a:r>
-              <a:rPr lang="it-IT" dirty="0" smtClean="0"/>
+              <a:rPr lang="it-IT" dirty="0"/>
               <a:t>0.93 </a:t>
             </a:r>
           </a:p>
           <a:p>
             <a:pPr algn="ctr"/>
             <a:r>
-              <a:rPr lang="it-IT" b="1" dirty="0" smtClean="0"/>
+              <a:rPr lang="it-IT" b="1" dirty="0"/>
               <a:t>Test R2: </a:t>
             </a:r>
             <a:r>
-              <a:rPr lang="it-IT" dirty="0" smtClean="0"/>
+              <a:rPr lang="it-IT" dirty="0"/>
               <a:t>0.81</a:t>
             </a:r>
-            <a:endParaRPr lang="en-US" baseline="30000" dirty="0" smtClean="0"/>
+            <a:endParaRPr lang="en-US" baseline="30000" dirty="0"/>
           </a:p>
         </p:txBody>
       </p:sp>
@@ -4549,22 +4501,17 @@
           <a:lstStyle/>
           <a:p>
             <a:r>
-              <a:rPr lang="en-US" b="1" dirty="0" smtClean="0"/>
+              <a:rPr lang="en-US" b="1" dirty="0"/>
               <a:t>Machine Learning Model </a:t>
             </a:r>
             <a:r>
-              <a:rPr lang="mr-IN" b="1" dirty="0" smtClean="0"/>
+              <a:rPr lang="mr-IN" b="1" dirty="0"/>
               <a:t>–</a:t>
             </a:r>
             <a:r>
-              <a:rPr lang="en-US" b="1" dirty="0" smtClean="0"/>
-              <a:t> </a:t>
-            </a:r>
-            <a:r>
-              <a:rPr lang="en-US" b="1" dirty="0" smtClean="0"/>
-              <a:t>Random Forest</a:t>
-            </a:r>
-            <a:endParaRPr lang="en-US" b="1" dirty="0"/>
+              <a:rPr lang="en-US" b="1" dirty="0"/>
+              <a:t> Random Forest</a:t>
+            </a:r>
           </a:p>
         </p:txBody>
       </p:sp>
@@ -4651,47 +4598,47 @@
           <a:p>
             <a:pPr algn="ctr"/>
             <a:r>
-              <a:rPr lang="it-IT" b="1" dirty="0" smtClean="0"/>
+              <a:rPr lang="it-IT" b="1" dirty="0"/>
               <a:t>Train RMSE: </a:t>
             </a:r>
             <a:r>
-              <a:rPr lang="it-IT" dirty="0" smtClean="0"/>
+              <a:rPr lang="it-IT" dirty="0"/>
               <a:t>0.10</a:t>
             </a:r>
           </a:p>
           <a:p>
             <a:pPr algn="ctr"/>
             <a:r>
-              <a:rPr lang="it-IT" b="1" dirty="0" smtClean="0"/>
+              <a:rPr lang="it-IT" b="1" dirty="0"/>
               <a:t>Test RMSE: </a:t>
             </a:r>
             <a:r>
-              <a:rPr lang="it-IT" dirty="0" smtClean="0"/>
+              <a:rPr lang="it-IT" dirty="0"/>
               <a:t>0.47</a:t>
             </a:r>
           </a:p>
           <a:p>
             <a:pPr algn="ctr"/>
             <a:r>
-              <a:rPr lang="it-IT" b="1" dirty="0" smtClean="0"/>
+              <a:rPr lang="it-IT" b="1" dirty="0"/>
               <a:t>Train R2: </a:t>
             </a:r>
             <a:r>
-              <a:rPr lang="it-IT" dirty="0" smtClean="0"/>
+              <a:rPr lang="it-IT" dirty="0"/>
               <a:t>0.99 </a:t>
             </a:r>
           </a:p>
           <a:p>
             <a:pPr algn="ctr"/>
             <a:r>
-              <a:rPr lang="it-IT" b="1" dirty="0" smtClean="0"/>
+              <a:rPr lang="it-IT" b="1" dirty="0"/>
               <a:t>Test R2: </a:t>
             </a:r>
             <a:r>
-              <a:rPr lang="it-IT" dirty="0" smtClean="0"/>
+              <a:rPr lang="it-IT" dirty="0"/>
               <a:t>0.77</a:t>
             </a:r>
-            <a:endParaRPr lang="en-US" baseline="30000" dirty="0" smtClean="0"/>
+            <a:endParaRPr lang="en-US" baseline="30000" dirty="0"/>
           </a:p>
         </p:txBody>
       </p:sp>

--- a/Docs/Methodology Presentation.pptx
+++ b/Docs/Methodology Presentation.pptx
@@ -248,7 +248,7 @@
           <a:p>
             <a:fld id="{867406AA-3EA6-8349-B98A-09463AD7D742}" type="datetimeFigureOut">
               <a:rPr lang="en-US" smtClean="0"/>
-              <a:t>7/27/2019</a:t>
+              <a:t>7/31/2019</a:t>
             </a:fld>
             <a:endParaRPr lang="en-US"/>
           </a:p>
@@ -416,7 +416,7 @@
           <a:p>
             <a:fld id="{867406AA-3EA6-8349-B98A-09463AD7D742}" type="datetimeFigureOut">
               <a:rPr lang="en-US" smtClean="0"/>
-              <a:t>7/27/2019</a:t>
+              <a:t>7/31/2019</a:t>
             </a:fld>
             <a:endParaRPr lang="en-US"/>
           </a:p>
@@ -594,7 +594,7 @@
           <a:p>
             <a:fld id="{867406AA-3EA6-8349-B98A-09463AD7D742}" type="datetimeFigureOut">
               <a:rPr lang="en-US" smtClean="0"/>
-              <a:t>7/27/2019</a:t>
+              <a:t>7/31/2019</a:t>
             </a:fld>
             <a:endParaRPr lang="en-US"/>
           </a:p>
@@ -762,7 +762,7 @@
           <a:p>
             <a:fld id="{867406AA-3EA6-8349-B98A-09463AD7D742}" type="datetimeFigureOut">
               <a:rPr lang="en-US" smtClean="0"/>
-              <a:t>7/27/2019</a:t>
+              <a:t>7/31/2019</a:t>
             </a:fld>
             <a:endParaRPr lang="en-US"/>
           </a:p>
@@ -1007,7 +1007,7 @@
           <a:p>
             <a:fld id="{867406AA-3EA6-8349-B98A-09463AD7D742}" type="datetimeFigureOut">
               <a:rPr lang="en-US" smtClean="0"/>
-              <a:t>7/27/2019</a:t>
+              <a:t>7/31/2019</a:t>
             </a:fld>
             <a:endParaRPr lang="en-US"/>
           </a:p>
@@ -1236,7 +1236,7 @@
           <a:p>
             <a:fld id="{867406AA-3EA6-8349-B98A-09463AD7D742}" type="datetimeFigureOut">
               <a:rPr lang="en-US" smtClean="0"/>
-              <a:t>7/27/2019</a:t>
+              <a:t>7/31/2019</a:t>
             </a:fld>
             <a:endParaRPr lang="en-US"/>
           </a:p>
@@ -1600,7 +1600,7 @@
           <a:p>
             <a:fld id="{867406AA-3EA6-8349-B98A-09463AD7D742}" type="datetimeFigureOut">
               <a:rPr lang="en-US" smtClean="0"/>
-              <a:t>7/27/2019</a:t>
+              <a:t>7/31/2019</a:t>
             </a:fld>
             <a:endParaRPr lang="en-US"/>
           </a:p>
@@ -1717,7 +1717,7 @@
           <a:p>
             <a:fld id="{867406AA-3EA6-8349-B98A-09463AD7D742}" type="datetimeFigureOut">
               <a:rPr lang="en-US" smtClean="0"/>
-              <a:t>7/27/2019</a:t>
+              <a:t>7/31/2019</a:t>
             </a:fld>
             <a:endParaRPr lang="en-US"/>
           </a:p>
@@ -1812,7 +1812,7 @@
           <a:p>
             <a:fld id="{867406AA-3EA6-8349-B98A-09463AD7D742}" type="datetimeFigureOut">
               <a:rPr lang="en-US" smtClean="0"/>
-              <a:t>7/27/2019</a:t>
+              <a:t>7/31/2019</a:t>
             </a:fld>
             <a:endParaRPr lang="en-US"/>
           </a:p>
@@ -2087,7 +2087,7 @@
           <a:p>
             <a:fld id="{867406AA-3EA6-8349-B98A-09463AD7D742}" type="datetimeFigureOut">
               <a:rPr lang="en-US" smtClean="0"/>
-              <a:t>7/27/2019</a:t>
+              <a:t>7/31/2019</a:t>
             </a:fld>
             <a:endParaRPr lang="en-US"/>
           </a:p>
@@ -2339,7 +2339,7 @@
           <a:p>
             <a:fld id="{867406AA-3EA6-8349-B98A-09463AD7D742}" type="datetimeFigureOut">
               <a:rPr lang="en-US" smtClean="0"/>
-              <a:t>7/27/2019</a:t>
+              <a:t>7/31/2019</a:t>
             </a:fld>
             <a:endParaRPr lang="en-US"/>
           </a:p>
@@ -2550,7 +2550,7 @@
           <a:p>
             <a:fld id="{867406AA-3EA6-8349-B98A-09463AD7D742}" type="datetimeFigureOut">
               <a:rPr lang="en-US" smtClean="0"/>
-              <a:t>7/27/2019</a:t>
+              <a:t>7/31/2019</a:t>
             </a:fld>
             <a:endParaRPr lang="en-US"/>
           </a:p>
@@ -4037,223 +4037,44 @@
         </p:blipFill>
         <p:spPr>
           <a:xfrm>
-            <a:off x="3771900" y="971550"/>
-            <a:ext cx="8226426" cy="5364190"/>
+            <a:off x="0" y="1282496"/>
+            <a:ext cx="6583680" cy="4293008"/>
           </a:xfrm>
           <a:prstGeom prst="rect">
             <a:avLst/>
           </a:prstGeom>
         </p:spPr>
       </p:pic>
-      <p:grpSp>
-        <p:nvGrpSpPr>
-          <p:cNvPr id="9" name="Group 8"/>
-          <p:cNvGrpSpPr/>
+      <p:pic>
+        <p:nvPicPr>
+          <p:cNvPr id="15" name="Picture 14">
+            <a:extLst>
+              <a:ext uri="{FF2B5EF4-FFF2-40B4-BE49-F238E27FC236}">
+                <a16:creationId xmlns:a16="http://schemas.microsoft.com/office/drawing/2014/main" id="{F8C24744-F253-474D-9289-2DB13E2BB58A}"/>
+              </a:ext>
+            </a:extLst>
+          </p:cNvPr>
+          <p:cNvPicPr>
+            <a:picLocks noChangeAspect="1"/>
+          </p:cNvPicPr>
           <p:nvPr/>
-        </p:nvGrpSpPr>
-        <p:grpSpPr>
-          <a:xfrm>
-            <a:off x="317503" y="2020782"/>
-            <a:ext cx="3690935" cy="1062265"/>
-            <a:chOff x="274640" y="1308947"/>
-            <a:chExt cx="3690935" cy="1062265"/>
-          </a:xfrm>
-        </p:grpSpPr>
-        <p:pic>
-          <p:nvPicPr>
-            <p:cNvPr id="7" name="Picture 6"/>
-            <p:cNvPicPr>
-              <a:picLocks noChangeAspect="1"/>
-            </p:cNvPicPr>
-            <p:nvPr/>
-          </p:nvPicPr>
-          <p:blipFill rotWithShape="1">
-            <a:blip r:embed="rId3">
-              <a:extLst>
-                <a:ext uri="{28A0092B-C50C-407E-A947-70E740481C1C}">
-                  <a14:useLocalDpi xmlns:a14="http://schemas.microsoft.com/office/drawing/2010/main" val="0"/>
-                </a:ext>
-              </a:extLst>
-            </a:blip>
-            <a:srcRect t="10001" r="50434"/>
-            <a:stretch/>
-          </p:blipFill>
-          <p:spPr>
-            <a:xfrm>
-              <a:off x="274640" y="1308947"/>
-              <a:ext cx="3082924" cy="613338"/>
-            </a:xfrm>
-            <a:prstGeom prst="rect">
-              <a:avLst/>
-            </a:prstGeom>
-          </p:spPr>
-        </p:pic>
-        <p:pic>
-          <p:nvPicPr>
-            <p:cNvPr id="8" name="Picture 7"/>
-            <p:cNvPicPr>
-              <a:picLocks noChangeAspect="1"/>
-            </p:cNvPicPr>
-            <p:nvPr/>
-          </p:nvPicPr>
-          <p:blipFill rotWithShape="1">
-            <a:blip r:embed="rId3">
-              <a:extLst>
-                <a:ext uri="{28A0092B-C50C-407E-A947-70E740481C1C}">
-                  <a14:useLocalDpi xmlns:a14="http://schemas.microsoft.com/office/drawing/2010/main" val="0"/>
-                </a:ext>
-              </a:extLst>
-            </a:blip>
-            <a:srcRect l="49566" t="1" b="1796"/>
-            <a:stretch/>
-          </p:blipFill>
-          <p:spPr>
-            <a:xfrm>
-              <a:off x="828675" y="1701957"/>
-              <a:ext cx="3136900" cy="669255"/>
-            </a:xfrm>
-            <a:prstGeom prst="rect">
-              <a:avLst/>
-            </a:prstGeom>
-          </p:spPr>
-        </p:pic>
-      </p:grpSp>
-      <p:grpSp>
-        <p:nvGrpSpPr>
-          <p:cNvPr id="11" name="Group 10"/>
-          <p:cNvGrpSpPr/>
-          <p:nvPr/>
-        </p:nvGrpSpPr>
-        <p:grpSpPr>
-          <a:xfrm>
-            <a:off x="128588" y="4570830"/>
-            <a:ext cx="3690935" cy="1295953"/>
-            <a:chOff x="274640" y="2693810"/>
-            <a:chExt cx="3690935" cy="1295953"/>
-          </a:xfrm>
-        </p:grpSpPr>
-        <p:pic>
-          <p:nvPicPr>
-            <p:cNvPr id="6" name="Picture 5"/>
-            <p:cNvPicPr>
-              <a:picLocks noChangeAspect="1"/>
-            </p:cNvPicPr>
-            <p:nvPr/>
-          </p:nvPicPr>
-          <p:blipFill rotWithShape="1">
-            <a:blip r:embed="rId4">
-              <a:extLst>
-                <a:ext uri="{28A0092B-C50C-407E-A947-70E740481C1C}">
-                  <a14:useLocalDpi xmlns:a14="http://schemas.microsoft.com/office/drawing/2010/main" val="0"/>
-                </a:ext>
-              </a:extLst>
-            </a:blip>
-            <a:srcRect t="1" r="40658" b="-3745"/>
-            <a:stretch/>
-          </p:blipFill>
-          <p:spPr>
-            <a:xfrm>
-              <a:off x="274640" y="2693810"/>
-              <a:ext cx="3690935" cy="719158"/>
-            </a:xfrm>
-            <a:prstGeom prst="rect">
-              <a:avLst/>
-            </a:prstGeom>
-          </p:spPr>
-        </p:pic>
-        <p:pic>
-          <p:nvPicPr>
-            <p:cNvPr id="10" name="Picture 9"/>
-            <p:cNvPicPr>
-              <a:picLocks noChangeAspect="1"/>
-            </p:cNvPicPr>
-            <p:nvPr/>
-          </p:nvPicPr>
-          <p:blipFill rotWithShape="1">
-            <a:blip r:embed="rId4">
-              <a:extLst>
-                <a:ext uri="{28A0092B-C50C-407E-A947-70E740481C1C}">
-                  <a14:useLocalDpi xmlns:a14="http://schemas.microsoft.com/office/drawing/2010/main" val="0"/>
-                </a:ext>
-              </a:extLst>
-            </a:blip>
-            <a:srcRect l="59763" t="1" b="3024"/>
-            <a:stretch/>
-          </p:blipFill>
-          <p:spPr>
-            <a:xfrm>
-              <a:off x="1462880" y="3317526"/>
-              <a:ext cx="2502695" cy="672237"/>
-            </a:xfrm>
-            <a:prstGeom prst="rect">
-              <a:avLst/>
-            </a:prstGeom>
-          </p:spPr>
-        </p:pic>
-      </p:grpSp>
-      <p:sp>
-        <p:nvSpPr>
-          <p:cNvPr id="12" name="TextBox 11"/>
-          <p:cNvSpPr txBox="1"/>
-          <p:nvPr/>
-        </p:nvSpPr>
+        </p:nvPicPr>
+        <p:blipFill>
+          <a:blip r:embed="rId3"/>
+          <a:stretch>
+            <a:fillRect/>
+          </a:stretch>
+        </p:blipFill>
         <p:spPr>
           <a:xfrm>
-            <a:off x="317503" y="1530775"/>
-            <a:ext cx="2468560" cy="369332"/>
+            <a:off x="6653713" y="1591930"/>
+            <a:ext cx="5182781" cy="3531405"/>
           </a:xfrm>
           <a:prstGeom prst="rect">
             <a:avLst/>
           </a:prstGeom>
-          <a:noFill/>
         </p:spPr>
-        <p:txBody>
-          <a:bodyPr wrap="square" rtlCol="0">
-            <a:spAutoFit/>
-          </a:bodyPr>
-          <a:lstStyle/>
-          <a:p>
-            <a:r>
-              <a:rPr lang="en-US"/>
-              <a:t>Autoregressive Formula:</a:t>
-            </a:r>
-            <a:endParaRPr lang="en-US" dirty="0"/>
-          </a:p>
-        </p:txBody>
-      </p:sp>
-      <p:sp>
-        <p:nvSpPr>
-          <p:cNvPr id="13" name="TextBox 12"/>
-          <p:cNvSpPr txBox="1"/>
-          <p:nvPr/>
-        </p:nvSpPr>
-        <p:spPr>
-          <a:xfrm>
-            <a:off x="128587" y="4205294"/>
-            <a:ext cx="3000375" cy="369332"/>
-          </a:xfrm>
-          <a:prstGeom prst="rect">
-            <a:avLst/>
-          </a:prstGeom>
-          <a:noFill/>
-        </p:spPr>
-        <p:txBody>
-          <a:bodyPr wrap="square" rtlCol="0">
-            <a:spAutoFit/>
-          </a:bodyPr>
-          <a:lstStyle/>
-          <a:p>
-            <a:r>
-              <a:rPr lang="en-US"/>
-              <a:t>Moving Average </a:t>
-            </a:r>
-            <a:r>
-              <a:rPr lang="en-US" dirty="0"/>
-              <a:t>Formula:</a:t>
-            </a:r>
-          </a:p>
-        </p:txBody>
-      </p:sp>
+      </p:pic>
     </p:spTree>
     <p:extLst>
       <p:ext uri="{BB962C8B-B14F-4D97-AF65-F5344CB8AC3E}">

--- a/Docs/Methodology Presentation.pptx
+++ b/Docs/Methodology Presentation.pptx
@@ -4075,6 +4075,56 @@
           </a:prstGeom>
         </p:spPr>
       </p:pic>
+      <p:sp>
+        <p:nvSpPr>
+          <p:cNvPr id="6" name="Rectangle 5">
+            <a:extLst>
+              <a:ext uri="{FF2B5EF4-FFF2-40B4-BE49-F238E27FC236}">
+                <a16:creationId xmlns:a16="http://schemas.microsoft.com/office/drawing/2014/main" id="{85012917-2B7C-4EA0-AE12-A24F499B61C8}"/>
+              </a:ext>
+            </a:extLst>
+          </p:cNvPr>
+          <p:cNvSpPr/>
+          <p:nvPr/>
+        </p:nvSpPr>
+        <p:spPr>
+          <a:xfrm>
+            <a:off x="8188609" y="5252505"/>
+            <a:ext cx="2127191" cy="646331"/>
+          </a:xfrm>
+          <a:prstGeom prst="rect">
+            <a:avLst/>
+          </a:prstGeom>
+        </p:spPr>
+        <p:txBody>
+          <a:bodyPr wrap="square">
+            <a:spAutoFit/>
+          </a:bodyPr>
+          <a:lstStyle/>
+          <a:p>
+            <a:pPr algn="ctr"/>
+            <a:r>
+              <a:rPr lang="it-IT" b="1" dirty="0"/>
+              <a:t>Train RMSE: </a:t>
+            </a:r>
+            <a:r>
+              <a:rPr lang="it-IT" dirty="0"/>
+              <a:t>0.65</a:t>
+            </a:r>
+          </a:p>
+          <a:p>
+            <a:pPr algn="ctr"/>
+            <a:r>
+              <a:rPr lang="it-IT" b="1" dirty="0"/>
+              <a:t>Test RMSE: </a:t>
+            </a:r>
+            <a:r>
+              <a:rPr lang="it-IT" dirty="0"/>
+              <a:t>1.12</a:t>
+            </a:r>
+          </a:p>
+        </p:txBody>
+      </p:sp>
     </p:spTree>
     <p:extLst>
       <p:ext uri="{BB962C8B-B14F-4D97-AF65-F5344CB8AC3E}">

--- a/Docs/Methodology Presentation.pptx
+++ b/Docs/Methodology Presentation.pptx
@@ -3149,21 +3149,7 @@
             </a:pPr>
             <a:r>
               <a:rPr lang="en-US" dirty="0"/>
-              <a:t>ARIMA</a:t>
-            </a:r>
-          </a:p>
-          <a:p>
-            <a:pPr lvl="1">
-              <a:lnSpc>
-                <a:spcPct val="100000"/>
-              </a:lnSpc>
-              <a:spcBef>
-                <a:spcPts val="0"/>
-              </a:spcBef>
-            </a:pPr>
-            <a:r>
-              <a:rPr lang="en-US" dirty="0"/>
-              <a:t>SARIMAX</a:t>
+              <a:t>SARIMA</a:t>
             </a:r>
           </a:p>
           <a:p>
@@ -4010,7 +3996,7 @@
             </a:r>
             <a:r>
               <a:rPr lang="en-US" b="1" dirty="0"/>
-              <a:t> ARIMA</a:t>
+              <a:t> SARIMA</a:t>
             </a:r>
           </a:p>
         </p:txBody>
